--- a/function.pptx
+++ b/function.pptx
@@ -6819,7 +6819,7 @@
           <a:lstStyle/>
           <a:p>
             <a:r>
-              <a:rPr lang="en-US" sz="3600" dirty="0">
+              <a:rPr lang="en-US" sz="3600">
                 <a:solidFill>
                   <a:schemeClr val="bg1">
                     <a:lumMod val="95000"/>
@@ -6827,8 +6827,16 @@
                 </a:solidFill>
                 <a:latin typeface="Consolas" panose="020B0609020204030204" pitchFamily="49" charset="0"/>
               </a:rPr>
-              <a:t>In JavaScript</a:t>
-            </a:r>
+              <a:t>In</a:t>
+            </a:r>
+            <a:endParaRPr lang="en-US" sz="3600" dirty="0">
+              <a:solidFill>
+                <a:schemeClr val="bg1">
+                  <a:lumMod val="95000"/>
+                </a:schemeClr>
+              </a:solidFill>
+              <a:latin typeface="Consolas" panose="020B0609020204030204" pitchFamily="49" charset="0"/>
+            </a:endParaRPr>
           </a:p>
         </p:txBody>
       </p:sp>
@@ -11292,20 +11300,10 @@
                 <a:effectLst/>
                 <a:latin typeface="Consolas" panose="020B0609020204030204" pitchFamily="49" charset="0"/>
               </a:rPr>
-              <a:t> </a:t>
-            </a:r>
-            <a:r>
-              <a:rPr lang="en-US" sz="1600" b="0" dirty="0" err="1">
-                <a:solidFill>
-                  <a:srgbClr val="F8F8F2"/>
-                </a:solidFill>
-                <a:effectLst/>
-                <a:latin typeface="Consolas" panose="020B0609020204030204" pitchFamily="49" charset="0"/>
-              </a:rPr>
-              <a:t>person.</a:t>
-            </a:r>
-            <a:r>
-              <a:rPr lang="en-US" sz="1600" b="0" dirty="0" err="1">
+              <a:t> person.</a:t>
+            </a:r>
+            <a:r>
+              <a:rPr lang="en-US" sz="1600" b="0" dirty="0">
                 <a:solidFill>
                   <a:srgbClr val="A6E22E"/>
                 </a:solidFill>
@@ -11315,7 +11313,7 @@
               <a:t>fullName</a:t>
             </a:r>
             <a:r>
-              <a:rPr lang="en-US" sz="1600" b="0" dirty="0" err="1">
+              <a:rPr lang="en-US" sz="1600" b="0" dirty="0">
                 <a:solidFill>
                   <a:srgbClr val="F8F8F2"/>
                 </a:solidFill>
@@ -11325,7 +11323,7 @@
               <a:t>.</a:t>
             </a:r>
             <a:r>
-              <a:rPr lang="en-US" sz="1600" dirty="0" err="1">
+              <a:rPr lang="en-US" sz="1600" dirty="0">
                 <a:solidFill>
                   <a:srgbClr val="A6E22E"/>
                 </a:solidFill>

--- a/function.pptx
+++ b/function.pptx
@@ -6827,7 +6827,7 @@
                 </a:solidFill>
                 <a:latin typeface="Consolas" panose="020B0609020204030204" pitchFamily="49" charset="0"/>
               </a:rPr>
-              <a:t>In</a:t>
+              <a:t>In JavaScript</a:t>
             </a:r>
             <a:endParaRPr lang="en-US" sz="3600" dirty="0">
               <a:solidFill>

--- a/function.pptx
+++ b/function.pptx
@@ -6819,7 +6819,7 @@
           <a:lstStyle/>
           <a:p>
             <a:r>
-              <a:rPr lang="en-US" sz="3600">
+              <a:rPr lang="en-US" sz="3600" dirty="0">
                 <a:solidFill>
                   <a:schemeClr val="bg1">
                     <a:lumMod val="95000"/>
@@ -6829,14 +6829,6 @@
               </a:rPr>
               <a:t>In JavaScript</a:t>
             </a:r>
-            <a:endParaRPr lang="en-US" sz="3600" dirty="0">
-              <a:solidFill>
-                <a:schemeClr val="bg1">
-                  <a:lumMod val="95000"/>
-                </a:schemeClr>
-              </a:solidFill>
-              <a:latin typeface="Consolas" panose="020B0609020204030204" pitchFamily="49" charset="0"/>
-            </a:endParaRPr>
           </a:p>
         </p:txBody>
       </p:sp>
@@ -13659,7 +13651,7 @@
               <a:t>, </a:t>
             </a:r>
             <a:r>
-              <a:rPr lang="en-US" sz="1600" b="0" dirty="0">
+              <a:rPr lang="en-US" sz="1600" b="0">
                 <a:solidFill>
                   <a:srgbClr val="AE81FF"/>
                 </a:solidFill>
@@ -13669,7 +13661,7 @@
               <a:t>5</a:t>
             </a:r>
             <a:r>
-              <a:rPr lang="en-US" sz="1600" b="0" dirty="0">
+              <a:rPr lang="en-US" sz="1600" b="0">
                 <a:solidFill>
                   <a:srgbClr val="F8F8F2"/>
                 </a:solidFill>

--- a/function.pptx
+++ b/function.pptx
@@ -19,6 +19,10 @@
     <p:sldId id="267" r:id="rId13"/>
     <p:sldId id="268" r:id="rId14"/>
     <p:sldId id="269" r:id="rId15"/>
+    <p:sldId id="270" r:id="rId16"/>
+    <p:sldId id="271" r:id="rId17"/>
+    <p:sldId id="272" r:id="rId18"/>
+    <p:sldId id="273" r:id="rId19"/>
   </p:sldIdLst>
   <p:sldSz cx="12192000" cy="6858000"/>
   <p:notesSz cx="6858000" cy="9144000"/>
@@ -3682,7 +3686,7 @@
           <a:p>
             <a:fld id="{96BF6615-5CFE-4B8E-BC20-4A44397F9CDD}" type="datetimeFigureOut">
               <a:rPr lang="en-US" smtClean="0"/>
-              <a:t>3/29/2024</a:t>
+              <a:t>3/30/2024</a:t>
             </a:fld>
             <a:endParaRPr lang="en-US"/>
           </a:p>
@@ -3880,7 +3884,7 @@
           <a:p>
             <a:fld id="{96BF6615-5CFE-4B8E-BC20-4A44397F9CDD}" type="datetimeFigureOut">
               <a:rPr lang="en-US" smtClean="0"/>
-              <a:t>3/29/2024</a:t>
+              <a:t>3/30/2024</a:t>
             </a:fld>
             <a:endParaRPr lang="en-US"/>
           </a:p>
@@ -4088,7 +4092,7 @@
           <a:p>
             <a:fld id="{96BF6615-5CFE-4B8E-BC20-4A44397F9CDD}" type="datetimeFigureOut">
               <a:rPr lang="en-US" smtClean="0"/>
-              <a:t>3/29/2024</a:t>
+              <a:t>3/30/2024</a:t>
             </a:fld>
             <a:endParaRPr lang="en-US"/>
           </a:p>
@@ -4286,7 +4290,7 @@
           <a:p>
             <a:fld id="{96BF6615-5CFE-4B8E-BC20-4A44397F9CDD}" type="datetimeFigureOut">
               <a:rPr lang="en-US" smtClean="0"/>
-              <a:t>3/29/2024</a:t>
+              <a:t>3/30/2024</a:t>
             </a:fld>
             <a:endParaRPr lang="en-US"/>
           </a:p>
@@ -4561,7 +4565,7 @@
           <a:p>
             <a:fld id="{96BF6615-5CFE-4B8E-BC20-4A44397F9CDD}" type="datetimeFigureOut">
               <a:rPr lang="en-US" smtClean="0"/>
-              <a:t>3/29/2024</a:t>
+              <a:t>3/30/2024</a:t>
             </a:fld>
             <a:endParaRPr lang="en-US"/>
           </a:p>
@@ -4826,7 +4830,7 @@
           <a:p>
             <a:fld id="{96BF6615-5CFE-4B8E-BC20-4A44397F9CDD}" type="datetimeFigureOut">
               <a:rPr lang="en-US" smtClean="0"/>
-              <a:t>3/29/2024</a:t>
+              <a:t>3/30/2024</a:t>
             </a:fld>
             <a:endParaRPr lang="en-US"/>
           </a:p>
@@ -5238,7 +5242,7 @@
           <a:p>
             <a:fld id="{96BF6615-5CFE-4B8E-BC20-4A44397F9CDD}" type="datetimeFigureOut">
               <a:rPr lang="en-US" smtClean="0"/>
-              <a:t>3/29/2024</a:t>
+              <a:t>3/30/2024</a:t>
             </a:fld>
             <a:endParaRPr lang="en-US"/>
           </a:p>
@@ -5379,7 +5383,7 @@
           <a:p>
             <a:fld id="{96BF6615-5CFE-4B8E-BC20-4A44397F9CDD}" type="datetimeFigureOut">
               <a:rPr lang="en-US" smtClean="0"/>
-              <a:t>3/29/2024</a:t>
+              <a:t>3/30/2024</a:t>
             </a:fld>
             <a:endParaRPr lang="en-US"/>
           </a:p>
@@ -5492,7 +5496,7 @@
           <a:p>
             <a:fld id="{96BF6615-5CFE-4B8E-BC20-4A44397F9CDD}" type="datetimeFigureOut">
               <a:rPr lang="en-US" smtClean="0"/>
-              <a:t>3/29/2024</a:t>
+              <a:t>3/30/2024</a:t>
             </a:fld>
             <a:endParaRPr lang="en-US"/>
           </a:p>
@@ -5803,7 +5807,7 @@
           <a:p>
             <a:fld id="{96BF6615-5CFE-4B8E-BC20-4A44397F9CDD}" type="datetimeFigureOut">
               <a:rPr lang="en-US" smtClean="0"/>
-              <a:t>3/29/2024</a:t>
+              <a:t>3/30/2024</a:t>
             </a:fld>
             <a:endParaRPr lang="en-US"/>
           </a:p>
@@ -6091,7 +6095,7 @@
           <a:p>
             <a:fld id="{96BF6615-5CFE-4B8E-BC20-4A44397F9CDD}" type="datetimeFigureOut">
               <a:rPr lang="en-US" smtClean="0"/>
-              <a:t>3/29/2024</a:t>
+              <a:t>3/30/2024</a:t>
             </a:fld>
             <a:endParaRPr lang="en-US"/>
           </a:p>
@@ -6332,7 +6336,7 @@
           <a:p>
             <a:fld id="{96BF6615-5CFE-4B8E-BC20-4A44397F9CDD}" type="datetimeFigureOut">
               <a:rPr lang="en-US" smtClean="0"/>
-              <a:t>3/29/2024</a:t>
+              <a:t>3/30/2024</a:t>
             </a:fld>
             <a:endParaRPr lang="en-US"/>
           </a:p>
@@ -7878,7 +7882,7 @@
               <a:t>JS </a:t>
             </a:r>
             <a:r>
-              <a:rPr lang="en-US" sz="4000" i="1" dirty="0">
+              <a:rPr lang="en-US" sz="4000" dirty="0">
                 <a:solidFill>
                   <a:schemeClr val="bg1">
                     <a:lumMod val="65000"/>
@@ -7886,11 +7890,31 @@
                 </a:solidFill>
                 <a:latin typeface="+mn-lt"/>
               </a:rPr>
-              <a:t>Rest</a:t>
+              <a:t>function</a:t>
             </a:r>
             <a:r>
               <a:rPr lang="en-US" sz="4000" i="1" dirty="0">
                 <a:solidFill>
+                  <a:schemeClr val="bg1">
+                    <a:lumMod val="65000"/>
+                  </a:schemeClr>
+                </a:solidFill>
+                <a:latin typeface="+mn-lt"/>
+              </a:rPr>
+              <a:t> </a:t>
+            </a:r>
+            <a:r>
+              <a:rPr lang="en-US" sz="4000" i="1" dirty="0">
+                <a:solidFill>
+                  <a:srgbClr val="F92672"/>
+                </a:solidFill>
+                <a:latin typeface="Consolas" panose="020B0609020204030204" pitchFamily="49" charset="0"/>
+              </a:rPr>
+              <a:t>rest</a:t>
+            </a:r>
+            <a:r>
+              <a:rPr lang="en-US" sz="4000" i="1" dirty="0">
+                <a:solidFill>
                   <a:srgbClr val="FFFF00"/>
                 </a:solidFill>
                 <a:latin typeface="+mn-lt"/>
@@ -7898,7 +7922,7 @@
               <a:t> </a:t>
             </a:r>
             <a:r>
-              <a:rPr lang="en-US" sz="4000" i="1" dirty="0">
+              <a:rPr lang="en-US" sz="4000" dirty="0">
                 <a:solidFill>
                   <a:schemeClr val="accent4">
                     <a:lumMod val="75000"/>
@@ -11976,6 +12000,4063 @@
     <p:extLst>
       <p:ext uri="{BB962C8B-B14F-4D97-AF65-F5344CB8AC3E}">
         <p14:creationId xmlns:p14="http://schemas.microsoft.com/office/powerpoint/2010/main" val="1732078366"/>
+      </p:ext>
+    </p:extLst>
+  </p:cSld>
+  <p:clrMapOvr>
+    <a:masterClrMapping/>
+  </p:clrMapOvr>
+</p:sld>
+</file>
+
+<file path=ppt/slides/slide15.xml><?xml version="1.0" encoding="utf-8"?>
+<p:sld xmlns:a="http://schemas.openxmlformats.org/drawingml/2006/main" xmlns:r="http://schemas.openxmlformats.org/officeDocument/2006/relationships" xmlns:p="http://schemas.openxmlformats.org/presentationml/2006/main">
+  <p:cSld>
+    <p:bg>
+      <p:bgPr>
+        <a:solidFill>
+          <a:srgbClr val="040E1A"/>
+        </a:solidFill>
+        <a:effectLst/>
+      </p:bgPr>
+    </p:bg>
+    <p:spTree>
+      <p:nvGrpSpPr>
+        <p:cNvPr id="1" name=""/>
+        <p:cNvGrpSpPr/>
+        <p:nvPr/>
+      </p:nvGrpSpPr>
+      <p:grpSpPr>
+        <a:xfrm>
+          <a:off x="0" y="0"/>
+          <a:ext cx="0" cy="0"/>
+          <a:chOff x="0" y="0"/>
+          <a:chExt cx="0" cy="0"/>
+        </a:xfrm>
+      </p:grpSpPr>
+      <p:sp>
+        <p:nvSpPr>
+          <p:cNvPr id="2" name="Title 1">
+            <a:extLst>
+              <a:ext uri="{FF2B5EF4-FFF2-40B4-BE49-F238E27FC236}">
+                <a16:creationId xmlns:a16="http://schemas.microsoft.com/office/drawing/2014/main" id="{87E219CC-A6B6-4075-B733-C05C1E794BD7}"/>
+              </a:ext>
+            </a:extLst>
+          </p:cNvPr>
+          <p:cNvSpPr>
+            <a:spLocks noGrp="1"/>
+          </p:cNvSpPr>
+          <p:nvPr>
+            <p:ph type="title"/>
+          </p:nvPr>
+        </p:nvSpPr>
+        <p:spPr/>
+        <p:txBody>
+          <a:bodyPr>
+            <a:normAutofit/>
+          </a:bodyPr>
+          <a:lstStyle/>
+          <a:p>
+            <a:r>
+              <a:rPr lang="en-US" sz="6600" i="1" dirty="0">
+                <a:solidFill>
+                  <a:srgbClr val="FFFF00"/>
+                </a:solidFill>
+                <a:latin typeface="Consolas" panose="020B0609020204030204" pitchFamily="49" charset="0"/>
+              </a:rPr>
+              <a:t>JS </a:t>
+            </a:r>
+            <a:r>
+              <a:rPr lang="en-US" sz="3600" i="1" dirty="0">
+                <a:solidFill>
+                  <a:schemeClr val="bg1">
+                    <a:lumMod val="65000"/>
+                  </a:schemeClr>
+                </a:solidFill>
+                <a:latin typeface="Consolas" panose="020B0609020204030204" pitchFamily="49" charset="0"/>
+              </a:rPr>
+              <a:t>bind()</a:t>
+            </a:r>
+            <a:r>
+              <a:rPr lang="en-US" sz="3600" dirty="0">
+                <a:solidFill>
+                  <a:schemeClr val="bg1">
+                    <a:lumMod val="65000"/>
+                  </a:schemeClr>
+                </a:solidFill>
+                <a:latin typeface="Consolas" panose="020B0609020204030204" pitchFamily="49" charset="0"/>
+              </a:rPr>
+              <a:t> </a:t>
+            </a:r>
+            <a:r>
+              <a:rPr lang="en-US" sz="3600" dirty="0">
+                <a:solidFill>
+                  <a:srgbClr val="00B0F0"/>
+                </a:solidFill>
+                <a:latin typeface="+mn-lt"/>
+              </a:rPr>
+              <a:t>methods</a:t>
+            </a:r>
+            <a:endParaRPr lang="en-US" dirty="0">
+              <a:solidFill>
+                <a:srgbClr val="00B0F0"/>
+              </a:solidFill>
+              <a:latin typeface="+mn-lt"/>
+            </a:endParaRPr>
+          </a:p>
+        </p:txBody>
+      </p:sp>
+      <p:sp>
+        <p:nvSpPr>
+          <p:cNvPr id="3" name="Content Placeholder 2">
+            <a:extLst>
+              <a:ext uri="{FF2B5EF4-FFF2-40B4-BE49-F238E27FC236}">
+                <a16:creationId xmlns:a16="http://schemas.microsoft.com/office/drawing/2014/main" id="{D23A8E98-E9B4-4888-AE47-A6A4BD2C2EC7}"/>
+              </a:ext>
+            </a:extLst>
+          </p:cNvPr>
+          <p:cNvSpPr>
+            <a:spLocks noGrp="1"/>
+          </p:cNvSpPr>
+          <p:nvPr>
+            <p:ph idx="1"/>
+          </p:nvPr>
+        </p:nvSpPr>
+        <p:spPr>
+          <a:xfrm>
+            <a:off x="838200" y="1782128"/>
+            <a:ext cx="10515600" cy="4842461"/>
+          </a:xfrm>
+        </p:spPr>
+        <p:txBody>
+          <a:bodyPr>
+            <a:normAutofit/>
+          </a:bodyPr>
+          <a:lstStyle/>
+          <a:p>
+            <a:pPr marL="0" indent="0">
+              <a:buNone/>
+            </a:pPr>
+            <a:r>
+              <a:rPr lang="en-US" sz="1800" dirty="0">
+                <a:solidFill>
+                  <a:schemeClr val="bg1"/>
+                </a:solidFill>
+              </a:rPr>
+              <a:t>The </a:t>
+            </a:r>
+            <a:r>
+              <a:rPr lang="en-US" sz="1800" dirty="0">
+                <a:solidFill>
+                  <a:srgbClr val="00B0F0"/>
+                </a:solidFill>
+                <a:latin typeface="Consolas" panose="020B0609020204030204" pitchFamily="49" charset="0"/>
+              </a:rPr>
+              <a:t>bind() </a:t>
+            </a:r>
+            <a:r>
+              <a:rPr lang="en-US" sz="1800" dirty="0">
+                <a:solidFill>
+                  <a:schemeClr val="bg1"/>
+                </a:solidFill>
+              </a:rPr>
+              <a:t>method is similar to the </a:t>
+            </a:r>
+            <a:r>
+              <a:rPr lang="en-US" sz="1800" dirty="0">
+                <a:solidFill>
+                  <a:srgbClr val="00B0F0"/>
+                </a:solidFill>
+                <a:latin typeface="Consolas" panose="020B0609020204030204" pitchFamily="49" charset="0"/>
+              </a:rPr>
+              <a:t>call() </a:t>
+            </a:r>
+            <a:r>
+              <a:rPr lang="en-US" sz="1800" dirty="0">
+                <a:solidFill>
+                  <a:schemeClr val="bg1"/>
+                </a:solidFill>
+              </a:rPr>
+              <a:t>method. But </a:t>
+            </a:r>
+            <a:r>
+              <a:rPr lang="en-US" sz="1800" dirty="0">
+                <a:solidFill>
+                  <a:srgbClr val="00B0F0"/>
+                </a:solidFill>
+                <a:latin typeface="Consolas" panose="020B0609020204030204" pitchFamily="49" charset="0"/>
+              </a:rPr>
+              <a:t>bind() </a:t>
+            </a:r>
+            <a:r>
+              <a:rPr lang="en-US" sz="1800" dirty="0">
+                <a:solidFill>
+                  <a:schemeClr val="bg1"/>
+                </a:solidFill>
+              </a:rPr>
+              <a:t>method returns the function</a:t>
+            </a:r>
+          </a:p>
+          <a:p>
+            <a:pPr marL="0" indent="0">
+              <a:buNone/>
+            </a:pPr>
+            <a:endParaRPr lang="en-US" sz="1800" dirty="0">
+              <a:solidFill>
+                <a:schemeClr val="bg1"/>
+              </a:solidFill>
+            </a:endParaRPr>
+          </a:p>
+          <a:p>
+            <a:pPr marL="0" indent="0">
+              <a:buNone/>
+            </a:pPr>
+            <a:endParaRPr lang="en-US" sz="1800" dirty="0">
+              <a:solidFill>
+                <a:schemeClr val="bg1"/>
+              </a:solidFill>
+            </a:endParaRPr>
+          </a:p>
+          <a:p>
+            <a:pPr marL="0" indent="0">
+              <a:buNone/>
+            </a:pPr>
+            <a:endParaRPr lang="en-US" sz="1800" dirty="0">
+              <a:solidFill>
+                <a:schemeClr val="bg1"/>
+              </a:solidFill>
+            </a:endParaRPr>
+          </a:p>
+          <a:p>
+            <a:pPr marL="0" indent="0">
+              <a:buNone/>
+            </a:pPr>
+            <a:endParaRPr lang="en-US" sz="1800" dirty="0">
+              <a:solidFill>
+                <a:schemeClr val="bg1"/>
+              </a:solidFill>
+            </a:endParaRPr>
+          </a:p>
+          <a:p>
+            <a:pPr marL="0" indent="0">
+              <a:buNone/>
+            </a:pPr>
+            <a:endParaRPr lang="en-US" sz="1800" dirty="0">
+              <a:solidFill>
+                <a:schemeClr val="bg1"/>
+              </a:solidFill>
+            </a:endParaRPr>
+          </a:p>
+          <a:p>
+            <a:pPr marL="0" indent="0">
+              <a:buNone/>
+            </a:pPr>
+            <a:endParaRPr lang="en-US" sz="1800" dirty="0">
+              <a:solidFill>
+                <a:schemeClr val="bg1"/>
+              </a:solidFill>
+            </a:endParaRPr>
+          </a:p>
+          <a:p>
+            <a:pPr marL="0" indent="0">
+              <a:buNone/>
+            </a:pPr>
+            <a:br>
+              <a:rPr lang="en-US" sz="1700" b="0" dirty="0">
+                <a:solidFill>
+                  <a:srgbClr val="F8F8F2"/>
+                </a:solidFill>
+                <a:effectLst/>
+                <a:latin typeface="Consolas" panose="020B0609020204030204" pitchFamily="49" charset="0"/>
+              </a:rPr>
+            </a:br>
+            <a:endParaRPr lang="en-US" sz="1700" b="0" dirty="0">
+              <a:solidFill>
+                <a:srgbClr val="F8F8F2"/>
+              </a:solidFill>
+              <a:effectLst/>
+              <a:latin typeface="Consolas" panose="020B0609020204030204" pitchFamily="49" charset="0"/>
+            </a:endParaRPr>
+          </a:p>
+          <a:p>
+            <a:pPr marL="0" indent="0">
+              <a:buNone/>
+            </a:pPr>
+            <a:br>
+              <a:rPr lang="en-US" sz="1700" b="0" dirty="0">
+                <a:solidFill>
+                  <a:srgbClr val="F8F8F2"/>
+                </a:solidFill>
+                <a:effectLst/>
+                <a:latin typeface="Consolas" panose="020B0609020204030204" pitchFamily="49" charset="0"/>
+              </a:rPr>
+            </a:br>
+            <a:r>
+              <a:rPr lang="en-US" sz="1600" b="0" i="1" dirty="0">
+                <a:solidFill>
+                  <a:srgbClr val="66D9EF"/>
+                </a:solidFill>
+                <a:effectLst/>
+                <a:latin typeface="Consolas" panose="020B0609020204030204" pitchFamily="49" charset="0"/>
+              </a:rPr>
+              <a:t>let</a:t>
+            </a:r>
+            <a:r>
+              <a:rPr lang="en-US" sz="1600" b="0" dirty="0">
+                <a:solidFill>
+                  <a:srgbClr val="F8F8F2"/>
+                </a:solidFill>
+                <a:effectLst/>
+                <a:latin typeface="Consolas" panose="020B0609020204030204" pitchFamily="49" charset="0"/>
+              </a:rPr>
+              <a:t> result </a:t>
+            </a:r>
+            <a:r>
+              <a:rPr lang="en-US" sz="1600" b="0" dirty="0">
+                <a:solidFill>
+                  <a:srgbClr val="F92672"/>
+                </a:solidFill>
+                <a:effectLst/>
+                <a:latin typeface="Consolas" panose="020B0609020204030204" pitchFamily="49" charset="0"/>
+              </a:rPr>
+              <a:t>=</a:t>
+            </a:r>
+            <a:r>
+              <a:rPr lang="en-US" sz="1600" b="0" dirty="0">
+                <a:solidFill>
+                  <a:srgbClr val="F8F8F2"/>
+                </a:solidFill>
+                <a:effectLst/>
+                <a:latin typeface="Consolas" panose="020B0609020204030204" pitchFamily="49" charset="0"/>
+              </a:rPr>
+              <a:t> person.</a:t>
+            </a:r>
+            <a:r>
+              <a:rPr lang="en-US" sz="1600" b="0" dirty="0">
+                <a:solidFill>
+                  <a:srgbClr val="A6E22E"/>
+                </a:solidFill>
+                <a:effectLst/>
+                <a:latin typeface="Consolas" panose="020B0609020204030204" pitchFamily="49" charset="0"/>
+              </a:rPr>
+              <a:t>fullName</a:t>
+            </a:r>
+            <a:r>
+              <a:rPr lang="en-US" sz="1600" b="0" dirty="0">
+                <a:solidFill>
+                  <a:srgbClr val="F8F8F2"/>
+                </a:solidFill>
+                <a:effectLst/>
+                <a:latin typeface="Consolas" panose="020B0609020204030204" pitchFamily="49" charset="0"/>
+              </a:rPr>
+              <a:t>.</a:t>
+            </a:r>
+            <a:r>
+              <a:rPr lang="en-US" sz="1600" dirty="0">
+                <a:solidFill>
+                  <a:srgbClr val="A6E22E"/>
+                </a:solidFill>
+                <a:latin typeface="Consolas" panose="020B0609020204030204" pitchFamily="49" charset="0"/>
+              </a:rPr>
+              <a:t>bind</a:t>
+            </a:r>
+            <a:r>
+              <a:rPr lang="en-US" sz="1600" b="0" dirty="0">
+                <a:solidFill>
+                  <a:srgbClr val="F8F8F2"/>
+                </a:solidFill>
+                <a:effectLst/>
+                <a:latin typeface="Consolas" panose="020B0609020204030204" pitchFamily="49" charset="0"/>
+              </a:rPr>
+              <a:t>(person1);</a:t>
+            </a:r>
+          </a:p>
+          <a:p>
+            <a:pPr marL="0" indent="0">
+              <a:buNone/>
+            </a:pPr>
+            <a:r>
+              <a:rPr lang="en-US" sz="1600" dirty="0">
+                <a:solidFill>
+                  <a:srgbClr val="F8F8F2"/>
+                </a:solidFill>
+                <a:latin typeface="Consolas" panose="020B0609020204030204" pitchFamily="49" charset="0"/>
+              </a:rPr>
+              <a:t>result(); </a:t>
+            </a:r>
+            <a:r>
+              <a:rPr lang="en-US" sz="1600" dirty="0">
+                <a:solidFill>
+                  <a:schemeClr val="accent6">
+                    <a:lumMod val="75000"/>
+                  </a:schemeClr>
+                </a:solidFill>
+                <a:latin typeface="Consolas" panose="020B0609020204030204" pitchFamily="49" charset="0"/>
+              </a:rPr>
+              <a:t>// Noyon Sarker</a:t>
+            </a:r>
+            <a:endParaRPr lang="en-US" sz="1600" b="0" dirty="0">
+              <a:solidFill>
+                <a:schemeClr val="accent6">
+                  <a:lumMod val="75000"/>
+                </a:schemeClr>
+              </a:solidFill>
+              <a:effectLst/>
+              <a:latin typeface="Consolas" panose="020B0609020204030204" pitchFamily="49" charset="0"/>
+            </a:endParaRPr>
+          </a:p>
+        </p:txBody>
+      </p:sp>
+      <p:sp>
+        <p:nvSpPr>
+          <p:cNvPr id="5" name="Rectangle 4">
+            <a:extLst>
+              <a:ext uri="{FF2B5EF4-FFF2-40B4-BE49-F238E27FC236}">
+                <a16:creationId xmlns:a16="http://schemas.microsoft.com/office/drawing/2014/main" id="{D3F3B1FD-DFCB-4569-9C42-3088CD883B8A}"/>
+              </a:ext>
+            </a:extLst>
+          </p:cNvPr>
+          <p:cNvSpPr/>
+          <p:nvPr/>
+        </p:nvSpPr>
+        <p:spPr>
+          <a:xfrm>
+            <a:off x="9161128" y="5711480"/>
+            <a:ext cx="2430648" cy="506436"/>
+          </a:xfrm>
+          <a:prstGeom prst="rect">
+            <a:avLst/>
+          </a:prstGeom>
+          <a:noFill/>
+          <a:ln>
+            <a:solidFill>
+              <a:schemeClr val="accent2"/>
+            </a:solidFill>
+          </a:ln>
+        </p:spPr>
+        <p:style>
+          <a:lnRef idx="2">
+            <a:schemeClr val="accent1">
+              <a:shade val="50000"/>
+            </a:schemeClr>
+          </a:lnRef>
+          <a:fillRef idx="1">
+            <a:schemeClr val="accent1"/>
+          </a:fillRef>
+          <a:effectRef idx="0">
+            <a:schemeClr val="accent1"/>
+          </a:effectRef>
+          <a:fontRef idx="minor">
+            <a:schemeClr val="lt1"/>
+          </a:fontRef>
+        </p:style>
+        <p:txBody>
+          <a:bodyPr rtlCol="0" anchor="ctr"/>
+          <a:lstStyle/>
+          <a:p>
+            <a:pPr algn="ctr"/>
+            <a:r>
+              <a:rPr lang="en-US" dirty="0">
+                <a:solidFill>
+                  <a:schemeClr val="accent2"/>
+                </a:solidFill>
+              </a:rPr>
+              <a:t>CodeMaster </a:t>
+            </a:r>
+            <a:r>
+              <a:rPr lang="en-US" dirty="0">
+                <a:solidFill>
+                  <a:schemeClr val="bg1"/>
+                </a:solidFill>
+                <a:latin typeface="Consolas" panose="020B0609020204030204" pitchFamily="49" charset="0"/>
+              </a:rPr>
+              <a:t>Noyon</a:t>
+            </a:r>
+          </a:p>
+        </p:txBody>
+      </p:sp>
+      <p:pic>
+        <p:nvPicPr>
+          <p:cNvPr id="10" name="Picture 9">
+            <a:extLst>
+              <a:ext uri="{FF2B5EF4-FFF2-40B4-BE49-F238E27FC236}">
+                <a16:creationId xmlns:a16="http://schemas.microsoft.com/office/drawing/2014/main" id="{BED166C4-455C-4D92-8A51-8F2C9A726475}"/>
+              </a:ext>
+            </a:extLst>
+          </p:cNvPr>
+          <p:cNvPicPr>
+            <a:picLocks noChangeAspect="1"/>
+          </p:cNvPicPr>
+          <p:nvPr/>
+        </p:nvPicPr>
+        <p:blipFill>
+          <a:blip r:embed="rId2">
+            <a:extLst>
+              <a:ext uri="{28A0092B-C50C-407E-A947-70E740481C1C}">
+                <a14:useLocalDpi xmlns:a14="http://schemas.microsoft.com/office/drawing/2010/main" val="0"/>
+              </a:ext>
+            </a:extLst>
+          </a:blip>
+          <a:stretch>
+            <a:fillRect/>
+          </a:stretch>
+        </p:blipFill>
+        <p:spPr>
+          <a:xfrm>
+            <a:off x="10628244" y="222322"/>
+            <a:ext cx="1232452" cy="1232452"/>
+          </a:xfrm>
+          <a:prstGeom prst="rect">
+            <a:avLst/>
+          </a:prstGeom>
+        </p:spPr>
+      </p:pic>
+      <p:sp>
+        <p:nvSpPr>
+          <p:cNvPr id="4" name="Rectangle 3">
+            <a:extLst>
+              <a:ext uri="{FF2B5EF4-FFF2-40B4-BE49-F238E27FC236}">
+                <a16:creationId xmlns:a16="http://schemas.microsoft.com/office/drawing/2014/main" id="{C6023513-AB6C-4FAE-A810-74E2FAC8F4A2}"/>
+              </a:ext>
+            </a:extLst>
+          </p:cNvPr>
+          <p:cNvSpPr/>
+          <p:nvPr/>
+        </p:nvSpPr>
+        <p:spPr>
+          <a:xfrm>
+            <a:off x="1055769" y="3033161"/>
+            <a:ext cx="5610074" cy="1656523"/>
+          </a:xfrm>
+          <a:prstGeom prst="rect">
+            <a:avLst/>
+          </a:prstGeom>
+          <a:noFill/>
+        </p:spPr>
+        <p:style>
+          <a:lnRef idx="2">
+            <a:schemeClr val="accent1">
+              <a:shade val="50000"/>
+            </a:schemeClr>
+          </a:lnRef>
+          <a:fillRef idx="1">
+            <a:schemeClr val="accent1"/>
+          </a:fillRef>
+          <a:effectRef idx="0">
+            <a:schemeClr val="accent1"/>
+          </a:effectRef>
+          <a:fontRef idx="minor">
+            <a:schemeClr val="lt1"/>
+          </a:fontRef>
+        </p:style>
+        <p:txBody>
+          <a:bodyPr rtlCol="0" anchor="ctr"/>
+          <a:lstStyle/>
+          <a:p>
+            <a:pPr marL="0" indent="0">
+              <a:buNone/>
+            </a:pPr>
+            <a:r>
+              <a:rPr lang="en-US" sz="1600" b="0" i="1" dirty="0">
+                <a:solidFill>
+                  <a:srgbClr val="66D9EF"/>
+                </a:solidFill>
+                <a:effectLst/>
+                <a:latin typeface="Consolas" panose="020B0609020204030204" pitchFamily="49" charset="0"/>
+              </a:rPr>
+              <a:t>const</a:t>
+            </a:r>
+            <a:r>
+              <a:rPr lang="en-US" sz="1600" b="0" dirty="0">
+                <a:solidFill>
+                  <a:srgbClr val="F8F8F2"/>
+                </a:solidFill>
+                <a:effectLst/>
+                <a:latin typeface="Consolas" panose="020B0609020204030204" pitchFamily="49" charset="0"/>
+              </a:rPr>
+              <a:t> person </a:t>
+            </a:r>
+            <a:r>
+              <a:rPr lang="en-US" sz="1600" b="0" dirty="0">
+                <a:solidFill>
+                  <a:srgbClr val="F92672"/>
+                </a:solidFill>
+                <a:effectLst/>
+                <a:latin typeface="Consolas" panose="020B0609020204030204" pitchFamily="49" charset="0"/>
+              </a:rPr>
+              <a:t>=</a:t>
+            </a:r>
+            <a:r>
+              <a:rPr lang="en-US" sz="1600" b="0" dirty="0">
+                <a:solidFill>
+                  <a:srgbClr val="F8F8F2"/>
+                </a:solidFill>
+                <a:effectLst/>
+                <a:latin typeface="Consolas" panose="020B0609020204030204" pitchFamily="49" charset="0"/>
+              </a:rPr>
+              <a:t> {</a:t>
+            </a:r>
+          </a:p>
+          <a:p>
+            <a:pPr marL="0" indent="0">
+              <a:buNone/>
+            </a:pPr>
+            <a:r>
+              <a:rPr lang="en-US" sz="1600" b="0" dirty="0">
+                <a:solidFill>
+                  <a:srgbClr val="F8F8F2"/>
+                </a:solidFill>
+                <a:effectLst/>
+                <a:latin typeface="Consolas" panose="020B0609020204030204" pitchFamily="49" charset="0"/>
+              </a:rPr>
+              <a:t>    </a:t>
+            </a:r>
+            <a:r>
+              <a:rPr lang="en-US" sz="1600" b="0" dirty="0">
+                <a:solidFill>
+                  <a:srgbClr val="A6E22E"/>
+                </a:solidFill>
+                <a:effectLst/>
+                <a:latin typeface="Consolas" panose="020B0609020204030204" pitchFamily="49" charset="0"/>
+              </a:rPr>
+              <a:t>fullName</a:t>
+            </a:r>
+            <a:r>
+              <a:rPr lang="en-US" sz="1600" b="0" dirty="0">
+                <a:solidFill>
+                  <a:srgbClr val="F8F8F2"/>
+                </a:solidFill>
+                <a:effectLst/>
+                <a:latin typeface="Consolas" panose="020B0609020204030204" pitchFamily="49" charset="0"/>
+              </a:rPr>
+              <a:t>: </a:t>
+            </a:r>
+            <a:r>
+              <a:rPr lang="en-US" sz="1600" b="0" i="1" dirty="0">
+                <a:solidFill>
+                  <a:srgbClr val="66D9EF"/>
+                </a:solidFill>
+                <a:effectLst/>
+                <a:latin typeface="Consolas" panose="020B0609020204030204" pitchFamily="49" charset="0"/>
+              </a:rPr>
+              <a:t>function</a:t>
+            </a:r>
+            <a:r>
+              <a:rPr lang="en-US" sz="1600" b="0" dirty="0">
+                <a:solidFill>
+                  <a:srgbClr val="F8F8F2"/>
+                </a:solidFill>
+                <a:effectLst/>
+                <a:latin typeface="Consolas" panose="020B0609020204030204" pitchFamily="49" charset="0"/>
+              </a:rPr>
+              <a:t>(){</a:t>
+            </a:r>
+          </a:p>
+          <a:p>
+            <a:pPr marL="0" indent="0">
+              <a:buNone/>
+            </a:pPr>
+            <a:r>
+              <a:rPr lang="en-US" sz="1600" b="0" dirty="0">
+                <a:solidFill>
+                  <a:srgbClr val="F8F8F2"/>
+                </a:solidFill>
+                <a:effectLst/>
+                <a:latin typeface="Consolas" panose="020B0609020204030204" pitchFamily="49" charset="0"/>
+              </a:rPr>
+              <a:t>        </a:t>
+            </a:r>
+            <a:r>
+              <a:rPr lang="en-US" sz="1600" b="0" dirty="0">
+                <a:solidFill>
+                  <a:srgbClr val="F92672"/>
+                </a:solidFill>
+                <a:effectLst/>
+                <a:latin typeface="Consolas" panose="020B0609020204030204" pitchFamily="49" charset="0"/>
+              </a:rPr>
+              <a:t>return</a:t>
+            </a:r>
+            <a:r>
+              <a:rPr lang="en-US" sz="1600" b="0" dirty="0">
+                <a:solidFill>
+                  <a:srgbClr val="F8F8F2"/>
+                </a:solidFill>
+                <a:effectLst/>
+                <a:latin typeface="Consolas" panose="020B0609020204030204" pitchFamily="49" charset="0"/>
+              </a:rPr>
+              <a:t> </a:t>
+            </a:r>
+            <a:r>
+              <a:rPr lang="en-US" sz="1600" b="0" dirty="0">
+                <a:solidFill>
+                  <a:srgbClr val="FD971F"/>
+                </a:solidFill>
+                <a:effectLst/>
+                <a:latin typeface="Consolas" panose="020B0609020204030204" pitchFamily="49" charset="0"/>
+              </a:rPr>
+              <a:t>this</a:t>
+            </a:r>
+            <a:r>
+              <a:rPr lang="en-US" sz="1600" b="0" dirty="0">
+                <a:solidFill>
+                  <a:srgbClr val="F8F8F2"/>
+                </a:solidFill>
+                <a:effectLst/>
+                <a:latin typeface="Consolas" panose="020B0609020204030204" pitchFamily="49" charset="0"/>
+              </a:rPr>
+              <a:t>.firstName</a:t>
+            </a:r>
+            <a:r>
+              <a:rPr lang="en-US" sz="1600" b="0" dirty="0">
+                <a:solidFill>
+                  <a:srgbClr val="F92672"/>
+                </a:solidFill>
+                <a:effectLst/>
+                <a:latin typeface="Consolas" panose="020B0609020204030204" pitchFamily="49" charset="0"/>
+              </a:rPr>
+              <a:t>+</a:t>
+            </a:r>
+            <a:r>
+              <a:rPr lang="en-US" sz="1600" b="0" dirty="0">
+                <a:solidFill>
+                  <a:srgbClr val="E6DB74"/>
+                </a:solidFill>
+                <a:effectLst/>
+                <a:latin typeface="Consolas" panose="020B0609020204030204" pitchFamily="49" charset="0"/>
+              </a:rPr>
+              <a:t>" "</a:t>
+            </a:r>
+            <a:r>
+              <a:rPr lang="en-US" sz="1600" b="0" dirty="0">
+                <a:solidFill>
+                  <a:srgbClr val="F92672"/>
+                </a:solidFill>
+                <a:effectLst/>
+                <a:latin typeface="Consolas" panose="020B0609020204030204" pitchFamily="49" charset="0"/>
+              </a:rPr>
+              <a:t>+</a:t>
+            </a:r>
+            <a:r>
+              <a:rPr lang="en-US" sz="1600" b="0" dirty="0" err="1">
+                <a:solidFill>
+                  <a:srgbClr val="FD971F"/>
+                </a:solidFill>
+                <a:effectLst/>
+                <a:latin typeface="Consolas" panose="020B0609020204030204" pitchFamily="49" charset="0"/>
+              </a:rPr>
+              <a:t>this</a:t>
+            </a:r>
+            <a:r>
+              <a:rPr lang="en-US" sz="1600" b="0" dirty="0" err="1">
+                <a:solidFill>
+                  <a:srgbClr val="F8F8F2"/>
+                </a:solidFill>
+                <a:effectLst/>
+                <a:latin typeface="Consolas" panose="020B0609020204030204" pitchFamily="49" charset="0"/>
+              </a:rPr>
+              <a:t>.lastName</a:t>
+            </a:r>
+            <a:r>
+              <a:rPr lang="en-US" sz="1600" b="0" dirty="0">
+                <a:solidFill>
+                  <a:srgbClr val="F8F8F2"/>
+                </a:solidFill>
+                <a:effectLst/>
+                <a:latin typeface="Consolas" panose="020B0609020204030204" pitchFamily="49" charset="0"/>
+              </a:rPr>
+              <a:t>;</a:t>
+            </a:r>
+          </a:p>
+          <a:p>
+            <a:pPr marL="0" indent="0">
+              <a:buNone/>
+            </a:pPr>
+            <a:r>
+              <a:rPr lang="en-US" sz="1600" b="0" dirty="0">
+                <a:solidFill>
+                  <a:srgbClr val="F8F8F2"/>
+                </a:solidFill>
+                <a:effectLst/>
+                <a:latin typeface="Consolas" panose="020B0609020204030204" pitchFamily="49" charset="0"/>
+              </a:rPr>
+              <a:t>    }</a:t>
+            </a:r>
+          </a:p>
+          <a:p>
+            <a:pPr marL="0" indent="0">
+              <a:buNone/>
+            </a:pPr>
+            <a:r>
+              <a:rPr lang="en-US" sz="1600" b="0" dirty="0">
+                <a:solidFill>
+                  <a:srgbClr val="F8F8F2"/>
+                </a:solidFill>
+                <a:effectLst/>
+                <a:latin typeface="Consolas" panose="020B0609020204030204" pitchFamily="49" charset="0"/>
+              </a:rPr>
+              <a:t>};</a:t>
+            </a:r>
+          </a:p>
+        </p:txBody>
+      </p:sp>
+      <p:sp>
+        <p:nvSpPr>
+          <p:cNvPr id="7" name="Rectangle 6">
+            <a:extLst>
+              <a:ext uri="{FF2B5EF4-FFF2-40B4-BE49-F238E27FC236}">
+                <a16:creationId xmlns:a16="http://schemas.microsoft.com/office/drawing/2014/main" id="{DC1CB27E-055B-462C-AF81-7BBA74E4C0EB}"/>
+              </a:ext>
+            </a:extLst>
+          </p:cNvPr>
+          <p:cNvSpPr/>
+          <p:nvPr/>
+        </p:nvSpPr>
+        <p:spPr>
+          <a:xfrm>
+            <a:off x="7674666" y="3033160"/>
+            <a:ext cx="3205369" cy="1656523"/>
+          </a:xfrm>
+          <a:prstGeom prst="rect">
+            <a:avLst/>
+          </a:prstGeom>
+          <a:noFill/>
+        </p:spPr>
+        <p:style>
+          <a:lnRef idx="2">
+            <a:schemeClr val="accent1">
+              <a:shade val="50000"/>
+            </a:schemeClr>
+          </a:lnRef>
+          <a:fillRef idx="1">
+            <a:schemeClr val="accent1"/>
+          </a:fillRef>
+          <a:effectRef idx="0">
+            <a:schemeClr val="accent1"/>
+          </a:effectRef>
+          <a:fontRef idx="minor">
+            <a:schemeClr val="lt1"/>
+          </a:fontRef>
+        </p:style>
+        <p:txBody>
+          <a:bodyPr rtlCol="0" anchor="ctr"/>
+          <a:lstStyle/>
+          <a:p>
+            <a:pPr marL="0" indent="0">
+              <a:buNone/>
+            </a:pPr>
+            <a:r>
+              <a:rPr lang="en-US" sz="1600" b="0" i="1" dirty="0">
+                <a:solidFill>
+                  <a:srgbClr val="66D9EF"/>
+                </a:solidFill>
+                <a:effectLst/>
+                <a:latin typeface="Consolas" panose="020B0609020204030204" pitchFamily="49" charset="0"/>
+              </a:rPr>
+              <a:t>const</a:t>
+            </a:r>
+            <a:r>
+              <a:rPr lang="en-US" sz="1600" b="0" dirty="0">
+                <a:solidFill>
+                  <a:srgbClr val="F8F8F2"/>
+                </a:solidFill>
+                <a:effectLst/>
+                <a:latin typeface="Consolas" panose="020B0609020204030204" pitchFamily="49" charset="0"/>
+              </a:rPr>
+              <a:t> person1 </a:t>
+            </a:r>
+            <a:r>
+              <a:rPr lang="en-US" sz="1600" b="0" dirty="0">
+                <a:solidFill>
+                  <a:srgbClr val="F92672"/>
+                </a:solidFill>
+                <a:effectLst/>
+                <a:latin typeface="Consolas" panose="020B0609020204030204" pitchFamily="49" charset="0"/>
+              </a:rPr>
+              <a:t>=</a:t>
+            </a:r>
+            <a:r>
+              <a:rPr lang="en-US" sz="1600" b="0" dirty="0">
+                <a:solidFill>
+                  <a:srgbClr val="F8F8F2"/>
+                </a:solidFill>
+                <a:effectLst/>
+                <a:latin typeface="Consolas" panose="020B0609020204030204" pitchFamily="49" charset="0"/>
+              </a:rPr>
+              <a:t> {</a:t>
+            </a:r>
+          </a:p>
+          <a:p>
+            <a:pPr marL="0" indent="0">
+              <a:buNone/>
+            </a:pPr>
+            <a:r>
+              <a:rPr lang="en-US" sz="1600" b="0" dirty="0">
+                <a:solidFill>
+                  <a:srgbClr val="F8F8F2"/>
+                </a:solidFill>
+                <a:effectLst/>
+                <a:latin typeface="Consolas" panose="020B0609020204030204" pitchFamily="49" charset="0"/>
+              </a:rPr>
+              <a:t>    </a:t>
+            </a:r>
+            <a:r>
+              <a:rPr lang="en-US" sz="1600" b="0" dirty="0" err="1">
+                <a:solidFill>
+                  <a:srgbClr val="F8F8F2"/>
+                </a:solidFill>
+                <a:effectLst/>
+                <a:latin typeface="Consolas" panose="020B0609020204030204" pitchFamily="49" charset="0"/>
+              </a:rPr>
+              <a:t>firstName</a:t>
+            </a:r>
+            <a:r>
+              <a:rPr lang="en-US" sz="1600" b="0" dirty="0">
+                <a:solidFill>
+                  <a:srgbClr val="F8F8F2"/>
+                </a:solidFill>
+                <a:effectLst/>
+                <a:latin typeface="Consolas" panose="020B0609020204030204" pitchFamily="49" charset="0"/>
+              </a:rPr>
+              <a:t>: </a:t>
+            </a:r>
+            <a:r>
+              <a:rPr lang="en-US" sz="1600" b="0" dirty="0">
+                <a:solidFill>
+                  <a:srgbClr val="E6DB74"/>
+                </a:solidFill>
+                <a:effectLst/>
+                <a:latin typeface="Consolas" panose="020B0609020204030204" pitchFamily="49" charset="0"/>
+              </a:rPr>
+              <a:t>'Noyon'</a:t>
+            </a:r>
+            <a:r>
+              <a:rPr lang="en-US" sz="1600" b="0" dirty="0">
+                <a:solidFill>
+                  <a:srgbClr val="F8F8F2"/>
+                </a:solidFill>
+                <a:effectLst/>
+                <a:latin typeface="Consolas" panose="020B0609020204030204" pitchFamily="49" charset="0"/>
+              </a:rPr>
+              <a:t>,</a:t>
+            </a:r>
+          </a:p>
+          <a:p>
+            <a:pPr marL="0" indent="0">
+              <a:buNone/>
+            </a:pPr>
+            <a:r>
+              <a:rPr lang="en-US" sz="1600" b="0" dirty="0">
+                <a:solidFill>
+                  <a:srgbClr val="F8F8F2"/>
+                </a:solidFill>
+                <a:effectLst/>
+                <a:latin typeface="Consolas" panose="020B0609020204030204" pitchFamily="49" charset="0"/>
+              </a:rPr>
+              <a:t>    </a:t>
+            </a:r>
+            <a:r>
+              <a:rPr lang="en-US" sz="1600" b="0" dirty="0" err="1">
+                <a:solidFill>
+                  <a:srgbClr val="F8F8F2"/>
+                </a:solidFill>
+                <a:effectLst/>
+                <a:latin typeface="Consolas" panose="020B0609020204030204" pitchFamily="49" charset="0"/>
+              </a:rPr>
+              <a:t>lastName</a:t>
+            </a:r>
+            <a:r>
+              <a:rPr lang="en-US" sz="1600" b="0" dirty="0">
+                <a:solidFill>
+                  <a:srgbClr val="F8F8F2"/>
+                </a:solidFill>
+                <a:effectLst/>
+                <a:latin typeface="Consolas" panose="020B0609020204030204" pitchFamily="49" charset="0"/>
+              </a:rPr>
+              <a:t>: </a:t>
+            </a:r>
+            <a:r>
+              <a:rPr lang="en-US" sz="1600" b="0" dirty="0">
+                <a:solidFill>
+                  <a:srgbClr val="E6DB74"/>
+                </a:solidFill>
+                <a:effectLst/>
+                <a:latin typeface="Consolas" panose="020B0609020204030204" pitchFamily="49" charset="0"/>
+              </a:rPr>
+              <a:t>'Sarker'</a:t>
+            </a:r>
+            <a:endParaRPr lang="en-US" sz="1600" b="0" dirty="0">
+              <a:solidFill>
+                <a:srgbClr val="F8F8F2"/>
+              </a:solidFill>
+              <a:effectLst/>
+              <a:latin typeface="Consolas" panose="020B0609020204030204" pitchFamily="49" charset="0"/>
+            </a:endParaRPr>
+          </a:p>
+          <a:p>
+            <a:pPr marL="0" indent="0">
+              <a:buNone/>
+            </a:pPr>
+            <a:r>
+              <a:rPr lang="en-US" sz="1600" b="0" dirty="0">
+                <a:solidFill>
+                  <a:srgbClr val="F8F8F2"/>
+                </a:solidFill>
+                <a:effectLst/>
+                <a:latin typeface="Consolas" panose="020B0609020204030204" pitchFamily="49" charset="0"/>
+              </a:rPr>
+              <a:t>};</a:t>
+            </a:r>
+          </a:p>
+        </p:txBody>
+      </p:sp>
+    </p:spTree>
+    <p:extLst>
+      <p:ext uri="{BB962C8B-B14F-4D97-AF65-F5344CB8AC3E}">
+        <p14:creationId xmlns:p14="http://schemas.microsoft.com/office/powerpoint/2010/main" val="3159490630"/>
+      </p:ext>
+    </p:extLst>
+  </p:cSld>
+  <p:clrMapOvr>
+    <a:masterClrMapping/>
+  </p:clrMapOvr>
+</p:sld>
+</file>
+
+<file path=ppt/slides/slide16.xml><?xml version="1.0" encoding="utf-8"?>
+<p:sld xmlns:a="http://schemas.openxmlformats.org/drawingml/2006/main" xmlns:r="http://schemas.openxmlformats.org/officeDocument/2006/relationships" xmlns:p="http://schemas.openxmlformats.org/presentationml/2006/main">
+  <p:cSld>
+    <p:bg>
+      <p:bgPr>
+        <a:solidFill>
+          <a:srgbClr val="040E1A"/>
+        </a:solidFill>
+        <a:effectLst/>
+      </p:bgPr>
+    </p:bg>
+    <p:spTree>
+      <p:nvGrpSpPr>
+        <p:cNvPr id="1" name=""/>
+        <p:cNvGrpSpPr/>
+        <p:nvPr/>
+      </p:nvGrpSpPr>
+      <p:grpSpPr>
+        <a:xfrm>
+          <a:off x="0" y="0"/>
+          <a:ext cx="0" cy="0"/>
+          <a:chOff x="0" y="0"/>
+          <a:chExt cx="0" cy="0"/>
+        </a:xfrm>
+      </p:grpSpPr>
+      <p:sp>
+        <p:nvSpPr>
+          <p:cNvPr id="2" name="Title 1">
+            <a:extLst>
+              <a:ext uri="{FF2B5EF4-FFF2-40B4-BE49-F238E27FC236}">
+                <a16:creationId xmlns:a16="http://schemas.microsoft.com/office/drawing/2014/main" id="{87E219CC-A6B6-4075-B733-C05C1E794BD7}"/>
+              </a:ext>
+            </a:extLst>
+          </p:cNvPr>
+          <p:cNvSpPr>
+            <a:spLocks noGrp="1"/>
+          </p:cNvSpPr>
+          <p:nvPr>
+            <p:ph type="title"/>
+          </p:nvPr>
+        </p:nvSpPr>
+        <p:spPr>
+          <a:xfrm>
+            <a:off x="838200" y="351873"/>
+            <a:ext cx="10515600" cy="1325563"/>
+          </a:xfrm>
+        </p:spPr>
+        <p:txBody>
+          <a:bodyPr>
+            <a:normAutofit/>
+          </a:bodyPr>
+          <a:lstStyle/>
+          <a:p>
+            <a:r>
+              <a:rPr lang="en-US" sz="6600" i="1" dirty="0">
+                <a:solidFill>
+                  <a:srgbClr val="FFFF00"/>
+                </a:solidFill>
+                <a:latin typeface="Consolas" panose="020B0609020204030204" pitchFamily="49" charset="0"/>
+              </a:rPr>
+              <a:t>JS </a:t>
+            </a:r>
+            <a:r>
+              <a:rPr lang="en-US" sz="4000" dirty="0">
+                <a:solidFill>
+                  <a:schemeClr val="bg1">
+                    <a:lumMod val="65000"/>
+                  </a:schemeClr>
+                </a:solidFill>
+                <a:latin typeface="+mn-lt"/>
+              </a:rPr>
+              <a:t>function </a:t>
+            </a:r>
+            <a:r>
+              <a:rPr lang="en-US" dirty="0">
+                <a:solidFill>
+                  <a:srgbClr val="F92672"/>
+                </a:solidFill>
+                <a:latin typeface="Consolas" panose="020B0609020204030204" pitchFamily="49" charset="0"/>
+              </a:rPr>
+              <a:t>closures</a:t>
+            </a:r>
+            <a:endParaRPr lang="en-US" dirty="0">
+              <a:solidFill>
+                <a:srgbClr val="00B0F0"/>
+              </a:solidFill>
+              <a:latin typeface="+mn-lt"/>
+            </a:endParaRPr>
+          </a:p>
+        </p:txBody>
+      </p:sp>
+      <p:sp>
+        <p:nvSpPr>
+          <p:cNvPr id="3" name="Content Placeholder 2">
+            <a:extLst>
+              <a:ext uri="{FF2B5EF4-FFF2-40B4-BE49-F238E27FC236}">
+                <a16:creationId xmlns:a16="http://schemas.microsoft.com/office/drawing/2014/main" id="{D23A8E98-E9B4-4888-AE47-A6A4BD2C2EC7}"/>
+              </a:ext>
+            </a:extLst>
+          </p:cNvPr>
+          <p:cNvSpPr>
+            <a:spLocks noGrp="1"/>
+          </p:cNvSpPr>
+          <p:nvPr>
+            <p:ph idx="1"/>
+          </p:nvPr>
+        </p:nvSpPr>
+        <p:spPr>
+          <a:xfrm>
+            <a:off x="838200" y="1782128"/>
+            <a:ext cx="10515600" cy="4842461"/>
+          </a:xfrm>
+        </p:spPr>
+        <p:txBody>
+          <a:bodyPr>
+            <a:normAutofit/>
+          </a:bodyPr>
+          <a:lstStyle/>
+          <a:p>
+            <a:pPr marL="0" indent="0">
+              <a:buNone/>
+            </a:pPr>
+            <a:r>
+              <a:rPr lang="en-US" sz="1600" b="0" dirty="0">
+                <a:solidFill>
+                  <a:schemeClr val="bg1"/>
+                </a:solidFill>
+                <a:effectLst/>
+              </a:rPr>
+              <a:t>A closure gives you </a:t>
+            </a:r>
+            <a:r>
+              <a:rPr lang="en-US" sz="1600" b="0" dirty="0">
+                <a:solidFill>
+                  <a:schemeClr val="accent4">
+                    <a:lumMod val="75000"/>
+                  </a:schemeClr>
+                </a:solidFill>
+                <a:effectLst/>
+              </a:rPr>
+              <a:t>access </a:t>
+            </a:r>
+            <a:r>
+              <a:rPr lang="en-US" sz="1600" b="0" dirty="0">
+                <a:solidFill>
+                  <a:schemeClr val="bg1"/>
+                </a:solidFill>
+                <a:effectLst/>
+              </a:rPr>
+              <a:t>to an </a:t>
+            </a:r>
+            <a:r>
+              <a:rPr lang="en-US" sz="1600" b="0" dirty="0">
+                <a:solidFill>
+                  <a:schemeClr val="accent4">
+                    <a:lumMod val="75000"/>
+                  </a:schemeClr>
+                </a:solidFill>
+                <a:effectLst/>
+              </a:rPr>
+              <a:t>outer function’s scope </a:t>
+            </a:r>
+            <a:r>
+              <a:rPr lang="en-US" sz="1600" b="0" dirty="0">
+                <a:solidFill>
+                  <a:schemeClr val="bg1"/>
+                </a:solidFill>
+                <a:effectLst/>
+              </a:rPr>
+              <a:t>from an </a:t>
+            </a:r>
+            <a:r>
+              <a:rPr lang="en-US" sz="1600" b="0" dirty="0">
+                <a:solidFill>
+                  <a:schemeClr val="accent4">
+                    <a:lumMod val="75000"/>
+                  </a:schemeClr>
+                </a:solidFill>
+                <a:effectLst/>
+              </a:rPr>
+              <a:t>inner function</a:t>
+            </a:r>
+            <a:r>
+              <a:rPr lang="en-US" sz="1600" b="0" dirty="0">
+                <a:solidFill>
+                  <a:schemeClr val="bg1"/>
+                </a:solidFill>
+                <a:effectLst/>
+              </a:rPr>
+              <a:t>. In JavaScript, closures are created every time a function is created, at function creation time.</a:t>
+            </a:r>
+          </a:p>
+          <a:p>
+            <a:pPr marL="0" indent="0">
+              <a:buNone/>
+            </a:pPr>
+            <a:endParaRPr lang="en-US" sz="1600" dirty="0">
+              <a:solidFill>
+                <a:schemeClr val="bg1"/>
+              </a:solidFill>
+            </a:endParaRPr>
+          </a:p>
+          <a:p>
+            <a:pPr marL="0" indent="0">
+              <a:buNone/>
+            </a:pPr>
+            <a:r>
+              <a:rPr lang="en-US" sz="1400" b="0" i="1" dirty="0">
+                <a:solidFill>
+                  <a:srgbClr val="66D9EF"/>
+                </a:solidFill>
+                <a:effectLst/>
+                <a:latin typeface="Consolas" panose="020B0609020204030204" pitchFamily="49" charset="0"/>
+              </a:rPr>
+              <a:t>function</a:t>
+            </a:r>
+            <a:r>
+              <a:rPr lang="en-US" sz="1400" b="0" dirty="0">
+                <a:solidFill>
+                  <a:srgbClr val="F8F8F2"/>
+                </a:solidFill>
+                <a:effectLst/>
+                <a:latin typeface="Consolas" panose="020B0609020204030204" pitchFamily="49" charset="0"/>
+              </a:rPr>
+              <a:t> </a:t>
+            </a:r>
+            <a:r>
+              <a:rPr lang="en-US" sz="1400" b="0" dirty="0">
+                <a:solidFill>
+                  <a:srgbClr val="A6E22E"/>
+                </a:solidFill>
+                <a:effectLst/>
+                <a:latin typeface="Consolas" panose="020B0609020204030204" pitchFamily="49" charset="0"/>
+              </a:rPr>
+              <a:t>int</a:t>
+            </a:r>
+            <a:r>
+              <a:rPr lang="en-US" sz="1400" b="0" dirty="0">
+                <a:solidFill>
+                  <a:srgbClr val="F8F8F2"/>
+                </a:solidFill>
+                <a:effectLst/>
+                <a:latin typeface="Consolas" panose="020B0609020204030204" pitchFamily="49" charset="0"/>
+              </a:rPr>
+              <a:t>(){</a:t>
+            </a:r>
+          </a:p>
+          <a:p>
+            <a:pPr marL="0" indent="0">
+              <a:buNone/>
+            </a:pPr>
+            <a:r>
+              <a:rPr lang="en-US" sz="1400" b="0" dirty="0">
+                <a:solidFill>
+                  <a:srgbClr val="F8F8F2"/>
+                </a:solidFill>
+                <a:effectLst/>
+                <a:latin typeface="Consolas" panose="020B0609020204030204" pitchFamily="49" charset="0"/>
+              </a:rPr>
+              <a:t>    </a:t>
+            </a:r>
+            <a:r>
+              <a:rPr lang="en-US" sz="1400" b="0" i="1" dirty="0">
+                <a:solidFill>
+                  <a:srgbClr val="66D9EF"/>
+                </a:solidFill>
+                <a:effectLst/>
+                <a:latin typeface="Consolas" panose="020B0609020204030204" pitchFamily="49" charset="0"/>
+              </a:rPr>
+              <a:t>let</a:t>
+            </a:r>
+            <a:r>
+              <a:rPr lang="en-US" sz="1400" b="0" dirty="0">
+                <a:solidFill>
+                  <a:srgbClr val="F8F8F2"/>
+                </a:solidFill>
+                <a:effectLst/>
+                <a:latin typeface="Consolas" panose="020B0609020204030204" pitchFamily="49" charset="0"/>
+              </a:rPr>
+              <a:t> Name</a:t>
+            </a:r>
+            <a:r>
+              <a:rPr lang="en-US" sz="1400" b="0" dirty="0">
+                <a:solidFill>
+                  <a:srgbClr val="F92672"/>
+                </a:solidFill>
+                <a:effectLst/>
+                <a:latin typeface="Consolas" panose="020B0609020204030204" pitchFamily="49" charset="0"/>
+              </a:rPr>
+              <a:t>=</a:t>
+            </a:r>
+            <a:r>
+              <a:rPr lang="en-US" sz="1400" b="0" dirty="0">
+                <a:solidFill>
+                  <a:srgbClr val="F8F8F2"/>
+                </a:solidFill>
+                <a:effectLst/>
+                <a:latin typeface="Consolas" panose="020B0609020204030204" pitchFamily="49" charset="0"/>
+              </a:rPr>
+              <a:t> </a:t>
+            </a:r>
+            <a:r>
+              <a:rPr lang="en-US" sz="1400" b="0" dirty="0">
+                <a:solidFill>
+                  <a:srgbClr val="E6DB74"/>
+                </a:solidFill>
+                <a:effectLst/>
+                <a:latin typeface="Consolas" panose="020B0609020204030204" pitchFamily="49" charset="0"/>
+              </a:rPr>
+              <a:t>'Noyon’</a:t>
+            </a:r>
+            <a:r>
+              <a:rPr lang="en-US" sz="1400" b="0" dirty="0">
+                <a:solidFill>
+                  <a:srgbClr val="F8F8F2"/>
+                </a:solidFill>
+                <a:effectLst/>
+                <a:latin typeface="Consolas" panose="020B0609020204030204" pitchFamily="49" charset="0"/>
+              </a:rPr>
+              <a:t>;</a:t>
+            </a:r>
+          </a:p>
+          <a:p>
+            <a:pPr marL="0" indent="0">
+              <a:buNone/>
+            </a:pPr>
+            <a:br>
+              <a:rPr lang="en-US" sz="1400" b="0" dirty="0">
+                <a:solidFill>
+                  <a:srgbClr val="F8F8F2"/>
+                </a:solidFill>
+                <a:effectLst/>
+                <a:latin typeface="Consolas" panose="020B0609020204030204" pitchFamily="49" charset="0"/>
+              </a:rPr>
+            </a:br>
+            <a:r>
+              <a:rPr lang="en-US" sz="1400" b="0" dirty="0">
+                <a:solidFill>
+                  <a:srgbClr val="F8F8F2"/>
+                </a:solidFill>
+                <a:effectLst/>
+                <a:latin typeface="Consolas" panose="020B0609020204030204" pitchFamily="49" charset="0"/>
+              </a:rPr>
+              <a:t>    </a:t>
+            </a:r>
+            <a:r>
+              <a:rPr lang="en-US" sz="1400" b="0" i="1" dirty="0">
+                <a:solidFill>
+                  <a:srgbClr val="66D9EF"/>
+                </a:solidFill>
+                <a:effectLst/>
+                <a:latin typeface="Consolas" panose="020B0609020204030204" pitchFamily="49" charset="0"/>
+              </a:rPr>
+              <a:t>function</a:t>
+            </a:r>
+            <a:r>
+              <a:rPr lang="en-US" sz="1400" b="0" dirty="0">
+                <a:solidFill>
+                  <a:srgbClr val="F8F8F2"/>
+                </a:solidFill>
+                <a:effectLst/>
+                <a:latin typeface="Consolas" panose="020B0609020204030204" pitchFamily="49" charset="0"/>
+              </a:rPr>
+              <a:t> </a:t>
+            </a:r>
+            <a:r>
+              <a:rPr lang="en-US" sz="1400" b="0" dirty="0">
+                <a:solidFill>
+                  <a:srgbClr val="A6E22E"/>
+                </a:solidFill>
+                <a:effectLst/>
+                <a:latin typeface="Consolas" panose="020B0609020204030204" pitchFamily="49" charset="0"/>
+              </a:rPr>
+              <a:t>display</a:t>
+            </a:r>
+            <a:r>
+              <a:rPr lang="en-US" sz="1400" b="0" dirty="0">
+                <a:solidFill>
+                  <a:srgbClr val="F8F8F2"/>
+                </a:solidFill>
+                <a:effectLst/>
+                <a:latin typeface="Consolas" panose="020B0609020204030204" pitchFamily="49" charset="0"/>
+              </a:rPr>
+              <a:t>(){</a:t>
+            </a:r>
+          </a:p>
+          <a:p>
+            <a:pPr marL="0" indent="0">
+              <a:buNone/>
+            </a:pPr>
+            <a:r>
+              <a:rPr lang="en-US" sz="1400" b="0" dirty="0">
+                <a:solidFill>
+                  <a:srgbClr val="F8F8F2"/>
+                </a:solidFill>
+                <a:effectLst/>
+                <a:latin typeface="Consolas" panose="020B0609020204030204" pitchFamily="49" charset="0"/>
+              </a:rPr>
+              <a:t>        console.</a:t>
+            </a:r>
+            <a:r>
+              <a:rPr lang="en-US" sz="1400" b="0" dirty="0">
+                <a:solidFill>
+                  <a:srgbClr val="A6E22E"/>
+                </a:solidFill>
+                <a:effectLst/>
+                <a:latin typeface="Consolas" panose="020B0609020204030204" pitchFamily="49" charset="0"/>
+              </a:rPr>
+              <a:t>log</a:t>
+            </a:r>
+            <a:r>
+              <a:rPr lang="en-US" sz="1400" b="0" dirty="0">
+                <a:solidFill>
+                  <a:srgbClr val="F8F8F2"/>
+                </a:solidFill>
+                <a:effectLst/>
+                <a:latin typeface="Consolas" panose="020B0609020204030204" pitchFamily="49" charset="0"/>
+              </a:rPr>
+              <a:t>(</a:t>
+            </a:r>
+            <a:r>
+              <a:rPr lang="en-US" sz="1400" b="0" dirty="0">
+                <a:solidFill>
+                  <a:srgbClr val="E6DB74"/>
+                </a:solidFill>
+                <a:effectLst/>
+                <a:latin typeface="Consolas" panose="020B0609020204030204" pitchFamily="49" charset="0"/>
+              </a:rPr>
+              <a:t>`My name is </a:t>
+            </a:r>
+            <a:r>
+              <a:rPr lang="en-US" sz="1400" b="0" dirty="0">
+                <a:solidFill>
+                  <a:srgbClr val="F92672"/>
+                </a:solidFill>
+                <a:effectLst/>
+                <a:latin typeface="Consolas" panose="020B0609020204030204" pitchFamily="49" charset="0"/>
+              </a:rPr>
+              <a:t>${</a:t>
+            </a:r>
+            <a:r>
+              <a:rPr lang="en-US" sz="1400" b="0" dirty="0">
+                <a:solidFill>
+                  <a:srgbClr val="F8F8F2"/>
+                </a:solidFill>
+                <a:effectLst/>
+                <a:latin typeface="Consolas" panose="020B0609020204030204" pitchFamily="49" charset="0"/>
+              </a:rPr>
+              <a:t>Name</a:t>
+            </a:r>
+            <a:r>
+              <a:rPr lang="en-US" sz="1400" b="0" dirty="0">
+                <a:solidFill>
+                  <a:srgbClr val="F92672"/>
+                </a:solidFill>
+                <a:effectLst/>
+                <a:latin typeface="Consolas" panose="020B0609020204030204" pitchFamily="49" charset="0"/>
+              </a:rPr>
+              <a:t>}</a:t>
+            </a:r>
+            <a:r>
+              <a:rPr lang="en-US" sz="1400" b="0" dirty="0">
+                <a:solidFill>
+                  <a:srgbClr val="E6DB74"/>
+                </a:solidFill>
+                <a:effectLst/>
+                <a:latin typeface="Consolas" panose="020B0609020204030204" pitchFamily="49" charset="0"/>
+              </a:rPr>
+              <a:t>`</a:t>
+            </a:r>
+            <a:r>
+              <a:rPr lang="en-US" sz="1400" b="0" dirty="0">
+                <a:solidFill>
+                  <a:srgbClr val="F8F8F2"/>
+                </a:solidFill>
+                <a:effectLst/>
+                <a:latin typeface="Consolas" panose="020B0609020204030204" pitchFamily="49" charset="0"/>
+              </a:rPr>
+              <a:t>);</a:t>
+            </a:r>
+          </a:p>
+          <a:p>
+            <a:pPr marL="0" indent="0">
+              <a:buNone/>
+            </a:pPr>
+            <a:r>
+              <a:rPr lang="en-US" sz="1400" b="0" dirty="0">
+                <a:solidFill>
+                  <a:srgbClr val="F8F8F2"/>
+                </a:solidFill>
+                <a:effectLst/>
+                <a:latin typeface="Consolas" panose="020B0609020204030204" pitchFamily="49" charset="0"/>
+              </a:rPr>
+              <a:t>    };</a:t>
+            </a:r>
+            <a:br>
+              <a:rPr lang="en-US" sz="1400" b="0" dirty="0">
+                <a:solidFill>
+                  <a:srgbClr val="F8F8F2"/>
+                </a:solidFill>
+                <a:effectLst/>
+                <a:latin typeface="Consolas" panose="020B0609020204030204" pitchFamily="49" charset="0"/>
+              </a:rPr>
+            </a:br>
+            <a:r>
+              <a:rPr lang="en-US" sz="1400" b="0" dirty="0">
+                <a:solidFill>
+                  <a:srgbClr val="F8F8F2"/>
+                </a:solidFill>
+                <a:effectLst/>
+                <a:latin typeface="Consolas" panose="020B0609020204030204" pitchFamily="49" charset="0"/>
+              </a:rPr>
+              <a:t>    </a:t>
+            </a:r>
+            <a:r>
+              <a:rPr lang="en-US" sz="1400" b="0" dirty="0">
+                <a:solidFill>
+                  <a:srgbClr val="F92672"/>
+                </a:solidFill>
+                <a:effectLst/>
+                <a:latin typeface="Consolas" panose="020B0609020204030204" pitchFamily="49" charset="0"/>
+              </a:rPr>
+              <a:t>return</a:t>
+            </a:r>
+            <a:r>
+              <a:rPr lang="en-US" sz="1400" b="0" dirty="0">
+                <a:solidFill>
+                  <a:srgbClr val="F8F8F2"/>
+                </a:solidFill>
+                <a:effectLst/>
+                <a:latin typeface="Consolas" panose="020B0609020204030204" pitchFamily="49" charset="0"/>
+              </a:rPr>
+              <a:t> </a:t>
+            </a:r>
+            <a:r>
+              <a:rPr lang="en-US" sz="1400" b="0" dirty="0">
+                <a:solidFill>
+                  <a:srgbClr val="A6E22E"/>
+                </a:solidFill>
+                <a:effectLst/>
+                <a:latin typeface="Consolas" panose="020B0609020204030204" pitchFamily="49" charset="0"/>
+              </a:rPr>
+              <a:t>display</a:t>
+            </a:r>
+            <a:r>
+              <a:rPr lang="en-US" sz="1400" b="0" dirty="0">
+                <a:solidFill>
+                  <a:srgbClr val="F8F8F2"/>
+                </a:solidFill>
+                <a:effectLst/>
+                <a:latin typeface="Consolas" panose="020B0609020204030204" pitchFamily="49" charset="0"/>
+              </a:rPr>
+              <a:t>;</a:t>
+            </a:r>
+          </a:p>
+          <a:p>
+            <a:pPr marL="0" indent="0">
+              <a:buNone/>
+            </a:pPr>
+            <a:r>
+              <a:rPr lang="en-US" sz="1400" b="0" dirty="0">
+                <a:solidFill>
+                  <a:srgbClr val="F8F8F2"/>
+                </a:solidFill>
+                <a:effectLst/>
+                <a:latin typeface="Consolas" panose="020B0609020204030204" pitchFamily="49" charset="0"/>
+              </a:rPr>
+              <a:t>};  </a:t>
+            </a:r>
+            <a:r>
+              <a:rPr lang="en-US" sz="1400" b="0" dirty="0">
+                <a:solidFill>
+                  <a:srgbClr val="88846F"/>
+                </a:solidFill>
+                <a:effectLst/>
+                <a:latin typeface="Consolas" panose="020B0609020204030204" pitchFamily="49" charset="0"/>
+              </a:rPr>
+              <a:t>// int() returns display function</a:t>
+            </a:r>
+            <a:endParaRPr lang="en-US" sz="1400" b="0" dirty="0">
+              <a:solidFill>
+                <a:srgbClr val="F8F8F2"/>
+              </a:solidFill>
+              <a:effectLst/>
+              <a:latin typeface="Consolas" panose="020B0609020204030204" pitchFamily="49" charset="0"/>
+            </a:endParaRPr>
+          </a:p>
+          <a:p>
+            <a:pPr marL="0" indent="0">
+              <a:buNone/>
+            </a:pPr>
+            <a:br>
+              <a:rPr lang="en-US" sz="1400" b="0" dirty="0">
+                <a:solidFill>
+                  <a:srgbClr val="F8F8F2"/>
+                </a:solidFill>
+                <a:effectLst/>
+                <a:latin typeface="Consolas" panose="020B0609020204030204" pitchFamily="49" charset="0"/>
+              </a:rPr>
+            </a:br>
+            <a:r>
+              <a:rPr lang="en-US" sz="1400" b="0" i="1" dirty="0">
+                <a:solidFill>
+                  <a:srgbClr val="66D9EF"/>
+                </a:solidFill>
+                <a:effectLst/>
+                <a:latin typeface="Consolas" panose="020B0609020204030204" pitchFamily="49" charset="0"/>
+              </a:rPr>
+              <a:t>let</a:t>
+            </a:r>
+            <a:r>
+              <a:rPr lang="en-US" sz="1400" b="0" dirty="0">
+                <a:solidFill>
+                  <a:srgbClr val="F8F8F2"/>
+                </a:solidFill>
+                <a:effectLst/>
+                <a:latin typeface="Consolas" panose="020B0609020204030204" pitchFamily="49" charset="0"/>
+              </a:rPr>
+              <a:t> </a:t>
+            </a:r>
+            <a:r>
+              <a:rPr lang="en-US" sz="1400" b="0" dirty="0">
+                <a:solidFill>
+                  <a:srgbClr val="A6E22E"/>
+                </a:solidFill>
+                <a:effectLst/>
+                <a:latin typeface="Consolas" panose="020B0609020204030204" pitchFamily="49" charset="0"/>
+              </a:rPr>
+              <a:t>result</a:t>
+            </a:r>
+            <a:r>
+              <a:rPr lang="en-US" sz="1400" b="0" dirty="0">
+                <a:solidFill>
+                  <a:srgbClr val="F8F8F2"/>
+                </a:solidFill>
+                <a:effectLst/>
+                <a:latin typeface="Consolas" panose="020B0609020204030204" pitchFamily="49" charset="0"/>
+              </a:rPr>
+              <a:t> </a:t>
+            </a:r>
+            <a:r>
+              <a:rPr lang="en-US" sz="1400" b="0" dirty="0">
+                <a:solidFill>
+                  <a:srgbClr val="F92672"/>
+                </a:solidFill>
+                <a:effectLst/>
+                <a:latin typeface="Consolas" panose="020B0609020204030204" pitchFamily="49" charset="0"/>
+              </a:rPr>
+              <a:t>=</a:t>
+            </a:r>
+            <a:r>
+              <a:rPr lang="en-US" sz="1400" b="0" dirty="0">
+                <a:solidFill>
+                  <a:srgbClr val="F8F8F2"/>
+                </a:solidFill>
+                <a:effectLst/>
+                <a:latin typeface="Consolas" panose="020B0609020204030204" pitchFamily="49" charset="0"/>
+              </a:rPr>
+              <a:t> </a:t>
+            </a:r>
+            <a:r>
+              <a:rPr lang="en-US" sz="1400" b="0" dirty="0">
+                <a:solidFill>
+                  <a:srgbClr val="A6E22E"/>
+                </a:solidFill>
+                <a:effectLst/>
+                <a:latin typeface="Consolas" panose="020B0609020204030204" pitchFamily="49" charset="0"/>
+              </a:rPr>
+              <a:t>int</a:t>
+            </a:r>
+            <a:r>
+              <a:rPr lang="en-US" sz="1400" b="0" dirty="0">
+                <a:solidFill>
+                  <a:srgbClr val="F8F8F2"/>
+                </a:solidFill>
+                <a:effectLst/>
+                <a:latin typeface="Consolas" panose="020B0609020204030204" pitchFamily="49" charset="0"/>
+              </a:rPr>
+              <a:t>();  </a:t>
+            </a:r>
+            <a:r>
+              <a:rPr lang="en-US" sz="1400" b="0" dirty="0">
+                <a:solidFill>
+                  <a:srgbClr val="88846F"/>
+                </a:solidFill>
+                <a:effectLst/>
+                <a:latin typeface="Consolas" panose="020B0609020204030204" pitchFamily="49" charset="0"/>
+              </a:rPr>
+              <a:t>// Here, result holds a function.</a:t>
+            </a:r>
+            <a:endParaRPr lang="en-US" sz="1400" b="0" dirty="0">
+              <a:solidFill>
+                <a:srgbClr val="F8F8F2"/>
+              </a:solidFill>
+              <a:effectLst/>
+              <a:latin typeface="Consolas" panose="020B0609020204030204" pitchFamily="49" charset="0"/>
+            </a:endParaRPr>
+          </a:p>
+          <a:p>
+            <a:pPr marL="0" indent="0">
+              <a:buNone/>
+            </a:pPr>
+            <a:r>
+              <a:rPr lang="en-US" sz="1400" b="0" dirty="0">
+                <a:solidFill>
+                  <a:srgbClr val="A6E22E"/>
+                </a:solidFill>
+                <a:effectLst/>
+                <a:latin typeface="Consolas" panose="020B0609020204030204" pitchFamily="49" charset="0"/>
+              </a:rPr>
+              <a:t>result</a:t>
+            </a:r>
+            <a:r>
+              <a:rPr lang="en-US" sz="1400" b="0" dirty="0">
+                <a:solidFill>
+                  <a:srgbClr val="F8F8F2"/>
+                </a:solidFill>
+                <a:effectLst/>
+                <a:latin typeface="Consolas" panose="020B0609020204030204" pitchFamily="49" charset="0"/>
+              </a:rPr>
+              <a:t>(); </a:t>
+            </a:r>
+            <a:r>
+              <a:rPr lang="en-US" sz="1400" b="0" dirty="0">
+                <a:solidFill>
+                  <a:srgbClr val="88846F"/>
+                </a:solidFill>
+                <a:effectLst/>
+                <a:latin typeface="Consolas" panose="020B0609020204030204" pitchFamily="49" charset="0"/>
+              </a:rPr>
+              <a:t>// My name is Noyon </a:t>
+            </a:r>
+            <a:endParaRPr lang="en-US" sz="1400" b="0" dirty="0">
+              <a:solidFill>
+                <a:srgbClr val="F8F8F2"/>
+              </a:solidFill>
+              <a:effectLst/>
+              <a:latin typeface="Consolas" panose="020B0609020204030204" pitchFamily="49" charset="0"/>
+            </a:endParaRPr>
+          </a:p>
+          <a:p>
+            <a:pPr marL="0" indent="0">
+              <a:buNone/>
+            </a:pPr>
+            <a:endParaRPr lang="en-US" sz="1600" b="0" dirty="0">
+              <a:solidFill>
+                <a:schemeClr val="bg1"/>
+              </a:solidFill>
+              <a:effectLst/>
+            </a:endParaRPr>
+          </a:p>
+          <a:p>
+            <a:pPr marL="0" indent="0">
+              <a:buNone/>
+            </a:pPr>
+            <a:r>
+              <a:rPr lang="en-US" sz="1600" b="0" dirty="0">
+                <a:solidFill>
+                  <a:srgbClr val="A6E22E"/>
+                </a:solidFill>
+                <a:effectLst/>
+                <a:latin typeface="Consolas" panose="020B0609020204030204" pitchFamily="49" charset="0"/>
+              </a:rPr>
+              <a:t>int</a:t>
+            </a:r>
+            <a:r>
+              <a:rPr lang="en-US" sz="1600" b="0" dirty="0">
+                <a:solidFill>
+                  <a:srgbClr val="F8F8F2"/>
+                </a:solidFill>
+                <a:effectLst/>
+                <a:latin typeface="Consolas" panose="020B0609020204030204" pitchFamily="49" charset="0"/>
+              </a:rPr>
+              <a:t>()();  </a:t>
+            </a:r>
+            <a:r>
+              <a:rPr lang="en-US" sz="1600" b="0" dirty="0">
+                <a:solidFill>
+                  <a:schemeClr val="accent6">
+                    <a:lumMod val="75000"/>
+                  </a:schemeClr>
+                </a:solidFill>
+                <a:effectLst/>
+                <a:latin typeface="Consolas" panose="020B0609020204030204" pitchFamily="49" charset="0"/>
+              </a:rPr>
+              <a:t>// There will be same output</a:t>
+            </a:r>
+          </a:p>
+          <a:p>
+            <a:pPr marL="0" indent="0">
+              <a:buNone/>
+            </a:pPr>
+            <a:endParaRPr lang="en-US" sz="1600" b="0" dirty="0">
+              <a:solidFill>
+                <a:schemeClr val="bg1"/>
+              </a:solidFill>
+              <a:effectLst/>
+            </a:endParaRPr>
+          </a:p>
+        </p:txBody>
+      </p:sp>
+      <p:sp>
+        <p:nvSpPr>
+          <p:cNvPr id="5" name="Rectangle 4">
+            <a:extLst>
+              <a:ext uri="{FF2B5EF4-FFF2-40B4-BE49-F238E27FC236}">
+                <a16:creationId xmlns:a16="http://schemas.microsoft.com/office/drawing/2014/main" id="{D3F3B1FD-DFCB-4569-9C42-3088CD883B8A}"/>
+              </a:ext>
+            </a:extLst>
+          </p:cNvPr>
+          <p:cNvSpPr/>
+          <p:nvPr/>
+        </p:nvSpPr>
+        <p:spPr>
+          <a:xfrm>
+            <a:off x="9161128" y="5711480"/>
+            <a:ext cx="2430648" cy="506436"/>
+          </a:xfrm>
+          <a:prstGeom prst="rect">
+            <a:avLst/>
+          </a:prstGeom>
+          <a:noFill/>
+          <a:ln>
+            <a:solidFill>
+              <a:schemeClr val="accent2"/>
+            </a:solidFill>
+          </a:ln>
+        </p:spPr>
+        <p:style>
+          <a:lnRef idx="2">
+            <a:schemeClr val="accent1">
+              <a:shade val="50000"/>
+            </a:schemeClr>
+          </a:lnRef>
+          <a:fillRef idx="1">
+            <a:schemeClr val="accent1"/>
+          </a:fillRef>
+          <a:effectRef idx="0">
+            <a:schemeClr val="accent1"/>
+          </a:effectRef>
+          <a:fontRef idx="minor">
+            <a:schemeClr val="lt1"/>
+          </a:fontRef>
+        </p:style>
+        <p:txBody>
+          <a:bodyPr rtlCol="0" anchor="ctr"/>
+          <a:lstStyle/>
+          <a:p>
+            <a:pPr algn="ctr"/>
+            <a:r>
+              <a:rPr lang="en-US" dirty="0">
+                <a:solidFill>
+                  <a:schemeClr val="accent2"/>
+                </a:solidFill>
+              </a:rPr>
+              <a:t>CodeMaster </a:t>
+            </a:r>
+            <a:r>
+              <a:rPr lang="en-US" dirty="0">
+                <a:solidFill>
+                  <a:schemeClr val="bg1"/>
+                </a:solidFill>
+                <a:latin typeface="Consolas" panose="020B0609020204030204" pitchFamily="49" charset="0"/>
+              </a:rPr>
+              <a:t>Noyon</a:t>
+            </a:r>
+          </a:p>
+        </p:txBody>
+      </p:sp>
+      <p:pic>
+        <p:nvPicPr>
+          <p:cNvPr id="10" name="Picture 9">
+            <a:extLst>
+              <a:ext uri="{FF2B5EF4-FFF2-40B4-BE49-F238E27FC236}">
+                <a16:creationId xmlns:a16="http://schemas.microsoft.com/office/drawing/2014/main" id="{BED166C4-455C-4D92-8A51-8F2C9A726475}"/>
+              </a:ext>
+            </a:extLst>
+          </p:cNvPr>
+          <p:cNvPicPr>
+            <a:picLocks noChangeAspect="1"/>
+          </p:cNvPicPr>
+          <p:nvPr/>
+        </p:nvPicPr>
+        <p:blipFill>
+          <a:blip r:embed="rId2">
+            <a:extLst>
+              <a:ext uri="{28A0092B-C50C-407E-A947-70E740481C1C}">
+                <a14:useLocalDpi xmlns:a14="http://schemas.microsoft.com/office/drawing/2010/main" val="0"/>
+              </a:ext>
+            </a:extLst>
+          </a:blip>
+          <a:stretch>
+            <a:fillRect/>
+          </a:stretch>
+        </p:blipFill>
+        <p:spPr>
+          <a:xfrm>
+            <a:off x="10628244" y="222322"/>
+            <a:ext cx="1232452" cy="1232452"/>
+          </a:xfrm>
+          <a:prstGeom prst="rect">
+            <a:avLst/>
+          </a:prstGeom>
+        </p:spPr>
+      </p:pic>
+    </p:spTree>
+    <p:extLst>
+      <p:ext uri="{BB962C8B-B14F-4D97-AF65-F5344CB8AC3E}">
+        <p14:creationId xmlns:p14="http://schemas.microsoft.com/office/powerpoint/2010/main" val="2630384550"/>
+      </p:ext>
+    </p:extLst>
+  </p:cSld>
+  <p:clrMapOvr>
+    <a:masterClrMapping/>
+  </p:clrMapOvr>
+</p:sld>
+</file>
+
+<file path=ppt/slides/slide17.xml><?xml version="1.0" encoding="utf-8"?>
+<p:sld xmlns:a="http://schemas.openxmlformats.org/drawingml/2006/main" xmlns:r="http://schemas.openxmlformats.org/officeDocument/2006/relationships" xmlns:p="http://schemas.openxmlformats.org/presentationml/2006/main">
+  <p:cSld>
+    <p:bg>
+      <p:bgPr>
+        <a:solidFill>
+          <a:srgbClr val="040E1A"/>
+        </a:solidFill>
+        <a:effectLst/>
+      </p:bgPr>
+    </p:bg>
+    <p:spTree>
+      <p:nvGrpSpPr>
+        <p:cNvPr id="1" name=""/>
+        <p:cNvGrpSpPr/>
+        <p:nvPr/>
+      </p:nvGrpSpPr>
+      <p:grpSpPr>
+        <a:xfrm>
+          <a:off x="0" y="0"/>
+          <a:ext cx="0" cy="0"/>
+          <a:chOff x="0" y="0"/>
+          <a:chExt cx="0" cy="0"/>
+        </a:xfrm>
+      </p:grpSpPr>
+      <p:sp>
+        <p:nvSpPr>
+          <p:cNvPr id="2" name="Title 1">
+            <a:extLst>
+              <a:ext uri="{FF2B5EF4-FFF2-40B4-BE49-F238E27FC236}">
+                <a16:creationId xmlns:a16="http://schemas.microsoft.com/office/drawing/2014/main" id="{87E219CC-A6B6-4075-B733-C05C1E794BD7}"/>
+              </a:ext>
+            </a:extLst>
+          </p:cNvPr>
+          <p:cNvSpPr>
+            <a:spLocks noGrp="1"/>
+          </p:cNvSpPr>
+          <p:nvPr>
+            <p:ph type="title"/>
+          </p:nvPr>
+        </p:nvSpPr>
+        <p:spPr/>
+        <p:txBody>
+          <a:bodyPr>
+            <a:normAutofit/>
+          </a:bodyPr>
+          <a:lstStyle/>
+          <a:p>
+            <a:r>
+              <a:rPr lang="en-US" sz="6600" i="1" dirty="0">
+                <a:solidFill>
+                  <a:srgbClr val="FFFF00"/>
+                </a:solidFill>
+                <a:latin typeface="Consolas" panose="020B0609020204030204" pitchFamily="49" charset="0"/>
+              </a:rPr>
+              <a:t>JS </a:t>
+            </a:r>
+            <a:r>
+              <a:rPr lang="en-US" sz="4000" dirty="0">
+                <a:solidFill>
+                  <a:schemeClr val="bg1">
+                    <a:lumMod val="65000"/>
+                  </a:schemeClr>
+                </a:solidFill>
+                <a:latin typeface="+mn-lt"/>
+              </a:rPr>
+              <a:t>Closure  </a:t>
+            </a:r>
+            <a:r>
+              <a:rPr lang="en-US" sz="4000" dirty="0">
+                <a:solidFill>
+                  <a:srgbClr val="F92672"/>
+                </a:solidFill>
+                <a:latin typeface="Consolas" panose="020B0609020204030204" pitchFamily="49" charset="0"/>
+              </a:rPr>
+              <a:t>Scope </a:t>
+            </a:r>
+            <a:r>
+              <a:rPr lang="en-US" sz="4000" dirty="0">
+                <a:solidFill>
+                  <a:schemeClr val="bg1">
+                    <a:lumMod val="65000"/>
+                  </a:schemeClr>
+                </a:solidFill>
+                <a:latin typeface="+mn-lt"/>
+              </a:rPr>
+              <a:t>Chain</a:t>
+            </a:r>
+            <a:endParaRPr lang="en-US" dirty="0">
+              <a:solidFill>
+                <a:srgbClr val="00B0F0"/>
+              </a:solidFill>
+              <a:latin typeface="+mn-lt"/>
+            </a:endParaRPr>
+          </a:p>
+        </p:txBody>
+      </p:sp>
+      <p:sp>
+        <p:nvSpPr>
+          <p:cNvPr id="3" name="Content Placeholder 2">
+            <a:extLst>
+              <a:ext uri="{FF2B5EF4-FFF2-40B4-BE49-F238E27FC236}">
+                <a16:creationId xmlns:a16="http://schemas.microsoft.com/office/drawing/2014/main" id="{D23A8E98-E9B4-4888-AE47-A6A4BD2C2EC7}"/>
+              </a:ext>
+            </a:extLst>
+          </p:cNvPr>
+          <p:cNvSpPr>
+            <a:spLocks noGrp="1"/>
+          </p:cNvSpPr>
+          <p:nvPr>
+            <p:ph idx="1"/>
+          </p:nvPr>
+        </p:nvSpPr>
+        <p:spPr>
+          <a:xfrm>
+            <a:off x="838200" y="1782128"/>
+            <a:ext cx="10515600" cy="4842461"/>
+          </a:xfrm>
+        </p:spPr>
+        <p:txBody>
+          <a:bodyPr>
+            <a:normAutofit/>
+          </a:bodyPr>
+          <a:lstStyle/>
+          <a:p>
+            <a:pPr marL="0" indent="0">
+              <a:buNone/>
+            </a:pPr>
+            <a:r>
+              <a:rPr lang="en-US" sz="1600" b="0" dirty="0">
+                <a:solidFill>
+                  <a:schemeClr val="bg1"/>
+                </a:solidFill>
+                <a:effectLst/>
+              </a:rPr>
+              <a:t>Every closure has three scope:</a:t>
+            </a:r>
+          </a:p>
+          <a:p>
+            <a:r>
+              <a:rPr lang="en-US" sz="1600" dirty="0">
+                <a:solidFill>
+                  <a:schemeClr val="bg1"/>
+                </a:solidFill>
+              </a:rPr>
+              <a:t>Local Scope (Own scope)</a:t>
+            </a:r>
+          </a:p>
+          <a:p>
+            <a:r>
+              <a:rPr lang="en-US" sz="1600" b="0" dirty="0">
+                <a:solidFill>
+                  <a:schemeClr val="bg1"/>
+                </a:solidFill>
+                <a:effectLst/>
+              </a:rPr>
+              <a:t>Outer </a:t>
+            </a:r>
+            <a:r>
+              <a:rPr lang="en-US" sz="1600" dirty="0">
+                <a:solidFill>
+                  <a:schemeClr val="bg1"/>
+                </a:solidFill>
+              </a:rPr>
+              <a:t>F</a:t>
+            </a:r>
+            <a:r>
+              <a:rPr lang="en-US" sz="1600" b="0" dirty="0">
+                <a:solidFill>
+                  <a:schemeClr val="bg1"/>
+                </a:solidFill>
+                <a:effectLst/>
+              </a:rPr>
+              <a:t>unction Scope </a:t>
+            </a:r>
+          </a:p>
+          <a:p>
+            <a:r>
+              <a:rPr lang="en-US" sz="1600" dirty="0">
+                <a:solidFill>
+                  <a:schemeClr val="bg1"/>
+                </a:solidFill>
+              </a:rPr>
+              <a:t>Global Scope</a:t>
+            </a:r>
+            <a:endParaRPr lang="en-US" sz="1600" b="0" dirty="0">
+              <a:solidFill>
+                <a:schemeClr val="bg1"/>
+              </a:solidFill>
+              <a:effectLst/>
+            </a:endParaRPr>
+          </a:p>
+        </p:txBody>
+      </p:sp>
+      <p:sp>
+        <p:nvSpPr>
+          <p:cNvPr id="5" name="Rectangle 4">
+            <a:extLst>
+              <a:ext uri="{FF2B5EF4-FFF2-40B4-BE49-F238E27FC236}">
+                <a16:creationId xmlns:a16="http://schemas.microsoft.com/office/drawing/2014/main" id="{D3F3B1FD-DFCB-4569-9C42-3088CD883B8A}"/>
+              </a:ext>
+            </a:extLst>
+          </p:cNvPr>
+          <p:cNvSpPr/>
+          <p:nvPr/>
+        </p:nvSpPr>
+        <p:spPr>
+          <a:xfrm>
+            <a:off x="9161128" y="5711480"/>
+            <a:ext cx="2430648" cy="506436"/>
+          </a:xfrm>
+          <a:prstGeom prst="rect">
+            <a:avLst/>
+          </a:prstGeom>
+          <a:noFill/>
+          <a:ln>
+            <a:solidFill>
+              <a:schemeClr val="accent2"/>
+            </a:solidFill>
+          </a:ln>
+        </p:spPr>
+        <p:style>
+          <a:lnRef idx="2">
+            <a:schemeClr val="accent1">
+              <a:shade val="50000"/>
+            </a:schemeClr>
+          </a:lnRef>
+          <a:fillRef idx="1">
+            <a:schemeClr val="accent1"/>
+          </a:fillRef>
+          <a:effectRef idx="0">
+            <a:schemeClr val="accent1"/>
+          </a:effectRef>
+          <a:fontRef idx="minor">
+            <a:schemeClr val="lt1"/>
+          </a:fontRef>
+        </p:style>
+        <p:txBody>
+          <a:bodyPr rtlCol="0" anchor="ctr"/>
+          <a:lstStyle/>
+          <a:p>
+            <a:pPr algn="ctr"/>
+            <a:r>
+              <a:rPr lang="en-US" dirty="0">
+                <a:solidFill>
+                  <a:schemeClr val="accent2"/>
+                </a:solidFill>
+              </a:rPr>
+              <a:t>CodeMaster </a:t>
+            </a:r>
+            <a:r>
+              <a:rPr lang="en-US" dirty="0">
+                <a:solidFill>
+                  <a:schemeClr val="bg1"/>
+                </a:solidFill>
+                <a:latin typeface="Consolas" panose="020B0609020204030204" pitchFamily="49" charset="0"/>
+              </a:rPr>
+              <a:t>Noyon</a:t>
+            </a:r>
+          </a:p>
+        </p:txBody>
+      </p:sp>
+      <p:pic>
+        <p:nvPicPr>
+          <p:cNvPr id="10" name="Picture 9">
+            <a:extLst>
+              <a:ext uri="{FF2B5EF4-FFF2-40B4-BE49-F238E27FC236}">
+                <a16:creationId xmlns:a16="http://schemas.microsoft.com/office/drawing/2014/main" id="{BED166C4-455C-4D92-8A51-8F2C9A726475}"/>
+              </a:ext>
+            </a:extLst>
+          </p:cNvPr>
+          <p:cNvPicPr>
+            <a:picLocks noChangeAspect="1"/>
+          </p:cNvPicPr>
+          <p:nvPr/>
+        </p:nvPicPr>
+        <p:blipFill>
+          <a:blip r:embed="rId2">
+            <a:extLst>
+              <a:ext uri="{28A0092B-C50C-407E-A947-70E740481C1C}">
+                <a14:useLocalDpi xmlns:a14="http://schemas.microsoft.com/office/drawing/2010/main" val="0"/>
+              </a:ext>
+            </a:extLst>
+          </a:blip>
+          <a:stretch>
+            <a:fillRect/>
+          </a:stretch>
+        </p:blipFill>
+        <p:spPr>
+          <a:xfrm>
+            <a:off x="10628244" y="222322"/>
+            <a:ext cx="1232452" cy="1232452"/>
+          </a:xfrm>
+          <a:prstGeom prst="rect">
+            <a:avLst/>
+          </a:prstGeom>
+        </p:spPr>
+      </p:pic>
+      <p:sp>
+        <p:nvSpPr>
+          <p:cNvPr id="4" name="Rectangle 3">
+            <a:extLst>
+              <a:ext uri="{FF2B5EF4-FFF2-40B4-BE49-F238E27FC236}">
+                <a16:creationId xmlns:a16="http://schemas.microsoft.com/office/drawing/2014/main" id="{48A24AD8-8E26-484C-9A6F-CB412033BAF5}"/>
+              </a:ext>
+            </a:extLst>
+          </p:cNvPr>
+          <p:cNvSpPr/>
+          <p:nvPr/>
+        </p:nvSpPr>
+        <p:spPr>
+          <a:xfrm>
+            <a:off x="3909392" y="1690688"/>
+            <a:ext cx="5013760" cy="4802188"/>
+          </a:xfrm>
+          <a:prstGeom prst="rect">
+            <a:avLst/>
+          </a:prstGeom>
+          <a:noFill/>
+        </p:spPr>
+        <p:style>
+          <a:lnRef idx="2">
+            <a:schemeClr val="accent1">
+              <a:shade val="50000"/>
+            </a:schemeClr>
+          </a:lnRef>
+          <a:fillRef idx="1">
+            <a:schemeClr val="accent1"/>
+          </a:fillRef>
+          <a:effectRef idx="0">
+            <a:schemeClr val="accent1"/>
+          </a:effectRef>
+          <a:fontRef idx="minor">
+            <a:schemeClr val="lt1"/>
+          </a:fontRef>
+        </p:style>
+        <p:txBody>
+          <a:bodyPr rtlCol="0" anchor="ctr"/>
+          <a:lstStyle/>
+          <a:p>
+            <a:r>
+              <a:rPr lang="en-US" sz="1600" b="0" dirty="0">
+                <a:solidFill>
+                  <a:srgbClr val="88846F"/>
+                </a:solidFill>
+                <a:effectLst/>
+                <a:latin typeface="Consolas" panose="020B0609020204030204" pitchFamily="49" charset="0"/>
+              </a:rPr>
+              <a:t> </a:t>
+            </a:r>
+            <a:r>
+              <a:rPr lang="en-US" sz="1400" b="0" dirty="0">
+                <a:solidFill>
+                  <a:srgbClr val="88846F"/>
+                </a:solidFill>
+                <a:effectLst/>
+                <a:latin typeface="Consolas" panose="020B0609020204030204" pitchFamily="49" charset="0"/>
+              </a:rPr>
+              <a:t>// Global Scope</a:t>
+            </a:r>
+            <a:endParaRPr lang="en-US" sz="1400" b="0" dirty="0">
+              <a:solidFill>
+                <a:srgbClr val="F8F8F2"/>
+              </a:solidFill>
+              <a:effectLst/>
+              <a:latin typeface="Consolas" panose="020B0609020204030204" pitchFamily="49" charset="0"/>
+            </a:endParaRPr>
+          </a:p>
+          <a:p>
+            <a:r>
+              <a:rPr lang="en-US" sz="1600" b="0" i="1" dirty="0">
+                <a:solidFill>
+                  <a:srgbClr val="66D9EF"/>
+                </a:solidFill>
+                <a:effectLst/>
+                <a:latin typeface="Consolas" panose="020B0609020204030204" pitchFamily="49" charset="0"/>
+              </a:rPr>
+              <a:t> let</a:t>
+            </a:r>
+            <a:r>
+              <a:rPr lang="en-US" sz="1600" b="0" dirty="0">
+                <a:solidFill>
+                  <a:srgbClr val="F8F8F2"/>
+                </a:solidFill>
+                <a:effectLst/>
+                <a:latin typeface="Consolas" panose="020B0609020204030204" pitchFamily="49" charset="0"/>
+              </a:rPr>
+              <a:t> Name </a:t>
+            </a:r>
+            <a:r>
+              <a:rPr lang="en-US" sz="1600" b="0" dirty="0">
+                <a:solidFill>
+                  <a:srgbClr val="F92672"/>
+                </a:solidFill>
+                <a:effectLst/>
+                <a:latin typeface="Consolas" panose="020B0609020204030204" pitchFamily="49" charset="0"/>
+              </a:rPr>
+              <a:t>=</a:t>
+            </a:r>
+            <a:r>
+              <a:rPr lang="en-US" sz="1600" b="0" dirty="0">
+                <a:solidFill>
+                  <a:srgbClr val="F8F8F2"/>
+                </a:solidFill>
+                <a:effectLst/>
+                <a:latin typeface="Consolas" panose="020B0609020204030204" pitchFamily="49" charset="0"/>
+              </a:rPr>
+              <a:t> </a:t>
+            </a:r>
+            <a:r>
+              <a:rPr lang="en-US" sz="1600" b="0" dirty="0">
+                <a:solidFill>
+                  <a:srgbClr val="E6DB74"/>
+                </a:solidFill>
+                <a:effectLst/>
+                <a:latin typeface="Consolas" panose="020B0609020204030204" pitchFamily="49" charset="0"/>
+              </a:rPr>
+              <a:t>'Noyon’</a:t>
+            </a:r>
+            <a:r>
+              <a:rPr lang="en-US" sz="1600" b="0" dirty="0">
+                <a:solidFill>
+                  <a:srgbClr val="F8F8F2"/>
+                </a:solidFill>
+                <a:effectLst/>
+                <a:latin typeface="Consolas" panose="020B0609020204030204" pitchFamily="49" charset="0"/>
+              </a:rPr>
+              <a:t>;</a:t>
+            </a:r>
+          </a:p>
+          <a:p>
+            <a:r>
+              <a:rPr lang="en-US" sz="1600" b="0" i="1" dirty="0">
+                <a:solidFill>
+                  <a:srgbClr val="66D9EF"/>
+                </a:solidFill>
+                <a:effectLst/>
+                <a:latin typeface="Consolas" panose="020B0609020204030204" pitchFamily="49" charset="0"/>
+              </a:rPr>
+              <a:t> function</a:t>
+            </a:r>
+            <a:r>
+              <a:rPr lang="en-US" sz="1600" b="0" dirty="0">
+                <a:solidFill>
+                  <a:srgbClr val="F8F8F2"/>
+                </a:solidFill>
+                <a:effectLst/>
+                <a:latin typeface="Consolas" panose="020B0609020204030204" pitchFamily="49" charset="0"/>
+              </a:rPr>
+              <a:t> </a:t>
+            </a:r>
+            <a:r>
+              <a:rPr lang="en-US" sz="1600" b="0" dirty="0">
+                <a:solidFill>
+                  <a:srgbClr val="A6E22E"/>
+                </a:solidFill>
+                <a:effectLst/>
+                <a:latin typeface="Consolas" panose="020B0609020204030204" pitchFamily="49" charset="0"/>
+              </a:rPr>
+              <a:t>makeFunc</a:t>
+            </a:r>
+            <a:r>
+              <a:rPr lang="en-US" sz="1600" b="0" dirty="0">
+                <a:solidFill>
+                  <a:srgbClr val="F8F8F2"/>
+                </a:solidFill>
+                <a:effectLst/>
+                <a:latin typeface="Consolas" panose="020B0609020204030204" pitchFamily="49" charset="0"/>
+              </a:rPr>
+              <a:t>(){</a:t>
+            </a:r>
+          </a:p>
+          <a:p>
+            <a:r>
+              <a:rPr lang="en-US" sz="1600" b="0" dirty="0">
+                <a:solidFill>
+                  <a:srgbClr val="F8F8F2"/>
+                </a:solidFill>
+                <a:effectLst/>
+                <a:latin typeface="Consolas" panose="020B0609020204030204" pitchFamily="49" charset="0"/>
+              </a:rPr>
+              <a:t>     </a:t>
+            </a:r>
+            <a:r>
+              <a:rPr lang="en-US" sz="1400" b="0" dirty="0">
+                <a:solidFill>
+                  <a:srgbClr val="88846F"/>
+                </a:solidFill>
+                <a:effectLst/>
+                <a:latin typeface="Consolas" panose="020B0609020204030204" pitchFamily="49" charset="0"/>
+              </a:rPr>
+              <a:t>//  Outer Function Scope</a:t>
+            </a:r>
+            <a:endParaRPr lang="en-US" sz="1400" b="0" dirty="0">
+              <a:solidFill>
+                <a:srgbClr val="F8F8F2"/>
+              </a:solidFill>
+              <a:effectLst/>
+              <a:latin typeface="Consolas" panose="020B0609020204030204" pitchFamily="49" charset="0"/>
+            </a:endParaRPr>
+          </a:p>
+          <a:p>
+            <a:r>
+              <a:rPr lang="en-US" sz="1600" b="0" dirty="0">
+                <a:solidFill>
+                  <a:srgbClr val="F8F8F2"/>
+                </a:solidFill>
+                <a:effectLst/>
+                <a:latin typeface="Consolas" panose="020B0609020204030204" pitchFamily="49" charset="0"/>
+              </a:rPr>
+              <a:t>     </a:t>
+            </a:r>
+            <a:r>
+              <a:rPr lang="en-US" sz="1600" b="0" i="1" dirty="0">
+                <a:solidFill>
+                  <a:srgbClr val="66D9EF"/>
+                </a:solidFill>
+                <a:effectLst/>
+                <a:latin typeface="Consolas" panose="020B0609020204030204" pitchFamily="49" charset="0"/>
+              </a:rPr>
+              <a:t>let</a:t>
+            </a:r>
+            <a:r>
+              <a:rPr lang="en-US" sz="1600" b="0" dirty="0">
+                <a:solidFill>
+                  <a:srgbClr val="F8F8F2"/>
+                </a:solidFill>
+                <a:effectLst/>
+                <a:latin typeface="Consolas" panose="020B0609020204030204" pitchFamily="49" charset="0"/>
+              </a:rPr>
+              <a:t> Age </a:t>
+            </a:r>
+            <a:r>
+              <a:rPr lang="en-US" sz="1600" b="0" dirty="0">
+                <a:solidFill>
+                  <a:srgbClr val="F92672"/>
+                </a:solidFill>
+                <a:effectLst/>
+                <a:latin typeface="Consolas" panose="020B0609020204030204" pitchFamily="49" charset="0"/>
+              </a:rPr>
+              <a:t>=</a:t>
+            </a:r>
+            <a:r>
+              <a:rPr lang="en-US" sz="1600" b="0" dirty="0">
+                <a:solidFill>
+                  <a:srgbClr val="F8F8F2"/>
+                </a:solidFill>
+                <a:effectLst/>
+                <a:latin typeface="Consolas" panose="020B0609020204030204" pitchFamily="49" charset="0"/>
+              </a:rPr>
+              <a:t> </a:t>
+            </a:r>
+            <a:r>
+              <a:rPr lang="en-US" sz="1600" b="0" dirty="0">
+                <a:solidFill>
+                  <a:srgbClr val="AE81FF"/>
+                </a:solidFill>
+                <a:effectLst/>
+                <a:latin typeface="Consolas" panose="020B0609020204030204" pitchFamily="49" charset="0"/>
+              </a:rPr>
+              <a:t>24</a:t>
+            </a:r>
+            <a:r>
+              <a:rPr lang="en-US" sz="1600" b="0" dirty="0">
+                <a:solidFill>
+                  <a:srgbClr val="F8F8F2"/>
+                </a:solidFill>
+                <a:effectLst/>
+                <a:latin typeface="Consolas" panose="020B0609020204030204" pitchFamily="49" charset="0"/>
+              </a:rPr>
+              <a:t>;</a:t>
+            </a:r>
+          </a:p>
+          <a:p>
+            <a:endParaRPr lang="en-US" sz="1600" b="0" dirty="0">
+              <a:solidFill>
+                <a:srgbClr val="F8F8F2"/>
+              </a:solidFill>
+              <a:effectLst/>
+              <a:latin typeface="Consolas" panose="020B0609020204030204" pitchFamily="49" charset="0"/>
+            </a:endParaRPr>
+          </a:p>
+          <a:p>
+            <a:r>
+              <a:rPr lang="en-US" sz="1600" b="0" dirty="0">
+                <a:solidFill>
+                  <a:srgbClr val="F8F8F2"/>
+                </a:solidFill>
+                <a:effectLst/>
+                <a:latin typeface="Consolas" panose="020B0609020204030204" pitchFamily="49" charset="0"/>
+              </a:rPr>
+              <a:t>     </a:t>
+            </a:r>
+            <a:r>
+              <a:rPr lang="en-US" sz="1600" b="0" i="1" dirty="0">
+                <a:solidFill>
+                  <a:srgbClr val="66D9EF"/>
+                </a:solidFill>
+                <a:effectLst/>
+                <a:latin typeface="Consolas" panose="020B0609020204030204" pitchFamily="49" charset="0"/>
+              </a:rPr>
+              <a:t>function</a:t>
+            </a:r>
+            <a:r>
+              <a:rPr lang="en-US" sz="1600" b="0" dirty="0">
+                <a:solidFill>
+                  <a:srgbClr val="F8F8F2"/>
+                </a:solidFill>
+                <a:effectLst/>
+                <a:latin typeface="Consolas" panose="020B0609020204030204" pitchFamily="49" charset="0"/>
+              </a:rPr>
+              <a:t> </a:t>
+            </a:r>
+            <a:r>
+              <a:rPr lang="en-US" sz="1600" b="0" dirty="0">
+                <a:solidFill>
+                  <a:srgbClr val="A6E22E"/>
+                </a:solidFill>
+                <a:effectLst/>
+                <a:latin typeface="Consolas" panose="020B0609020204030204" pitchFamily="49" charset="0"/>
+              </a:rPr>
+              <a:t>display</a:t>
+            </a:r>
+            <a:r>
+              <a:rPr lang="en-US" sz="1600" b="0" dirty="0">
+                <a:solidFill>
+                  <a:srgbClr val="F8F8F2"/>
+                </a:solidFill>
+                <a:effectLst/>
+                <a:latin typeface="Consolas" panose="020B0609020204030204" pitchFamily="49" charset="0"/>
+              </a:rPr>
+              <a:t>(</a:t>
+            </a:r>
+            <a:r>
+              <a:rPr lang="en-US" sz="1600" b="0" i="1" dirty="0">
+                <a:solidFill>
+                  <a:srgbClr val="FD971F"/>
+                </a:solidFill>
+                <a:effectLst/>
+                <a:latin typeface="Consolas" panose="020B0609020204030204" pitchFamily="49" charset="0"/>
+              </a:rPr>
+              <a:t>country</a:t>
+            </a:r>
+            <a:r>
+              <a:rPr lang="en-US" sz="1600" b="0" dirty="0">
+                <a:solidFill>
+                  <a:srgbClr val="F8F8F2"/>
+                </a:solidFill>
+                <a:effectLst/>
+                <a:latin typeface="Consolas" panose="020B0609020204030204" pitchFamily="49" charset="0"/>
+              </a:rPr>
+              <a:t>){</a:t>
+            </a:r>
+          </a:p>
+          <a:p>
+            <a:r>
+              <a:rPr lang="en-US" sz="1600" b="0" dirty="0">
+                <a:solidFill>
+                  <a:srgbClr val="F8F8F2"/>
+                </a:solidFill>
+                <a:effectLst/>
+                <a:latin typeface="Consolas" panose="020B0609020204030204" pitchFamily="49" charset="0"/>
+              </a:rPr>
+              <a:t>         </a:t>
+            </a:r>
+            <a:r>
+              <a:rPr lang="en-US" sz="1400" b="0" dirty="0">
+                <a:solidFill>
+                  <a:srgbClr val="88846F"/>
+                </a:solidFill>
+                <a:effectLst/>
+                <a:latin typeface="Consolas" panose="020B0609020204030204" pitchFamily="49" charset="0"/>
+              </a:rPr>
+              <a:t>//  Local Scope (Own scope)</a:t>
+            </a:r>
+            <a:endParaRPr lang="en-US" sz="1400" b="0" dirty="0">
+              <a:solidFill>
+                <a:srgbClr val="F8F8F2"/>
+              </a:solidFill>
+              <a:effectLst/>
+              <a:latin typeface="Consolas" panose="020B0609020204030204" pitchFamily="49" charset="0"/>
+            </a:endParaRPr>
+          </a:p>
+          <a:p>
+            <a:r>
+              <a:rPr lang="en-US" sz="1600" b="0" dirty="0">
+                <a:solidFill>
+                  <a:srgbClr val="F8F8F2"/>
+                </a:solidFill>
+                <a:effectLst/>
+                <a:latin typeface="Consolas" panose="020B0609020204030204" pitchFamily="49" charset="0"/>
+              </a:rPr>
+              <a:t>         </a:t>
+            </a:r>
+            <a:r>
+              <a:rPr lang="en-US" sz="1600" b="0" i="1" dirty="0">
+                <a:solidFill>
+                  <a:srgbClr val="66D9EF"/>
+                </a:solidFill>
+                <a:effectLst/>
+                <a:latin typeface="Consolas" panose="020B0609020204030204" pitchFamily="49" charset="0"/>
+              </a:rPr>
+              <a:t>let</a:t>
+            </a:r>
+            <a:r>
+              <a:rPr lang="en-US" sz="1600" b="0" dirty="0">
+                <a:solidFill>
+                  <a:srgbClr val="F8F8F2"/>
+                </a:solidFill>
+                <a:effectLst/>
+                <a:latin typeface="Consolas" panose="020B0609020204030204" pitchFamily="49" charset="0"/>
+              </a:rPr>
+              <a:t> Country </a:t>
+            </a:r>
+            <a:r>
+              <a:rPr lang="en-US" sz="1600" b="0" dirty="0">
+                <a:solidFill>
+                  <a:srgbClr val="F92672"/>
+                </a:solidFill>
+                <a:effectLst/>
+                <a:latin typeface="Consolas" panose="020B0609020204030204" pitchFamily="49" charset="0"/>
+              </a:rPr>
+              <a:t>=</a:t>
+            </a:r>
+            <a:r>
+              <a:rPr lang="en-US" sz="1600" b="0" dirty="0">
+                <a:solidFill>
+                  <a:srgbClr val="F8F8F2"/>
+                </a:solidFill>
+                <a:effectLst/>
+                <a:latin typeface="Consolas" panose="020B0609020204030204" pitchFamily="49" charset="0"/>
+              </a:rPr>
+              <a:t> </a:t>
+            </a:r>
+            <a:r>
+              <a:rPr lang="en-US" sz="1600" b="0" i="1" dirty="0">
+                <a:solidFill>
+                  <a:srgbClr val="FD971F"/>
+                </a:solidFill>
+                <a:effectLst/>
+                <a:latin typeface="Consolas" panose="020B0609020204030204" pitchFamily="49" charset="0"/>
+              </a:rPr>
+              <a:t>country</a:t>
+            </a:r>
+            <a:r>
+              <a:rPr lang="en-US" sz="1600" b="0" dirty="0">
+                <a:solidFill>
+                  <a:srgbClr val="F8F8F2"/>
+                </a:solidFill>
+                <a:effectLst/>
+                <a:latin typeface="Consolas" panose="020B0609020204030204" pitchFamily="49" charset="0"/>
+              </a:rPr>
+              <a:t>;</a:t>
+            </a:r>
+          </a:p>
+          <a:p>
+            <a:r>
+              <a:rPr lang="en-US" sz="1600" b="0" dirty="0">
+                <a:solidFill>
+                  <a:srgbClr val="F8F8F2"/>
+                </a:solidFill>
+                <a:effectLst/>
+                <a:latin typeface="Consolas" panose="020B0609020204030204" pitchFamily="49" charset="0"/>
+              </a:rPr>
+              <a:t>         console.</a:t>
+            </a:r>
+            <a:r>
+              <a:rPr lang="en-US" sz="1600" b="0" dirty="0">
+                <a:solidFill>
+                  <a:srgbClr val="A6E22E"/>
+                </a:solidFill>
+                <a:effectLst/>
+                <a:latin typeface="Consolas" panose="020B0609020204030204" pitchFamily="49" charset="0"/>
+              </a:rPr>
+              <a:t>log</a:t>
+            </a:r>
+            <a:r>
+              <a:rPr lang="en-US" sz="1600" b="0" dirty="0">
+                <a:solidFill>
+                  <a:srgbClr val="F8F8F2"/>
+                </a:solidFill>
+                <a:effectLst/>
+                <a:latin typeface="Consolas" panose="020B0609020204030204" pitchFamily="49" charset="0"/>
+              </a:rPr>
+              <a:t>(Name, Age,   Country);</a:t>
+            </a:r>
+          </a:p>
+          <a:p>
+            <a:r>
+              <a:rPr lang="en-US" sz="1600" b="0" dirty="0">
+                <a:solidFill>
+                  <a:srgbClr val="F8F8F2"/>
+                </a:solidFill>
+                <a:effectLst/>
+                <a:latin typeface="Consolas" panose="020B0609020204030204" pitchFamily="49" charset="0"/>
+              </a:rPr>
+              <a:t>     };</a:t>
+            </a:r>
+          </a:p>
+          <a:p>
+            <a:r>
+              <a:rPr lang="en-US" sz="1600" b="0" dirty="0">
+                <a:solidFill>
+                  <a:srgbClr val="F8F8F2"/>
+                </a:solidFill>
+                <a:effectLst/>
+                <a:latin typeface="Consolas" panose="020B0609020204030204" pitchFamily="49" charset="0"/>
+              </a:rPr>
+              <a:t>     </a:t>
+            </a:r>
+            <a:r>
+              <a:rPr lang="en-US" sz="1600" b="0" dirty="0">
+                <a:solidFill>
+                  <a:srgbClr val="F92672"/>
+                </a:solidFill>
+                <a:effectLst/>
+                <a:latin typeface="Consolas" panose="020B0609020204030204" pitchFamily="49" charset="0"/>
+              </a:rPr>
+              <a:t>return</a:t>
+            </a:r>
+            <a:r>
+              <a:rPr lang="en-US" sz="1600" b="0" dirty="0">
+                <a:solidFill>
+                  <a:srgbClr val="F8F8F2"/>
+                </a:solidFill>
+                <a:effectLst/>
+                <a:latin typeface="Consolas" panose="020B0609020204030204" pitchFamily="49" charset="0"/>
+              </a:rPr>
+              <a:t> </a:t>
+            </a:r>
+            <a:r>
+              <a:rPr lang="en-US" sz="1600" b="0" dirty="0">
+                <a:solidFill>
+                  <a:srgbClr val="A6E22E"/>
+                </a:solidFill>
+                <a:effectLst/>
+                <a:latin typeface="Consolas" panose="020B0609020204030204" pitchFamily="49" charset="0"/>
+              </a:rPr>
+              <a:t>display</a:t>
+            </a:r>
+            <a:r>
+              <a:rPr lang="en-US" sz="1600" b="0" dirty="0">
+                <a:solidFill>
+                  <a:srgbClr val="F8F8F2"/>
+                </a:solidFill>
+                <a:effectLst/>
+                <a:latin typeface="Consolas" panose="020B0609020204030204" pitchFamily="49" charset="0"/>
+              </a:rPr>
+              <a:t>;</a:t>
+            </a:r>
+          </a:p>
+          <a:p>
+            <a:r>
+              <a:rPr lang="en-US" sz="1600" b="0" dirty="0">
+                <a:solidFill>
+                  <a:srgbClr val="F8F8F2"/>
+                </a:solidFill>
+                <a:effectLst/>
+                <a:latin typeface="Consolas" panose="020B0609020204030204" pitchFamily="49" charset="0"/>
+              </a:rPr>
+              <a:t> };</a:t>
+            </a:r>
+          </a:p>
+          <a:p>
+            <a:br>
+              <a:rPr lang="en-US" sz="1600" b="0" dirty="0">
+                <a:solidFill>
+                  <a:srgbClr val="F8F8F2"/>
+                </a:solidFill>
+                <a:effectLst/>
+                <a:latin typeface="Consolas" panose="020B0609020204030204" pitchFamily="49" charset="0"/>
+              </a:rPr>
+            </a:br>
+            <a:r>
+              <a:rPr lang="en-US" sz="1600" b="0" dirty="0">
+                <a:solidFill>
+                  <a:srgbClr val="F8F8F2"/>
+                </a:solidFill>
+                <a:effectLst/>
+                <a:latin typeface="Consolas" panose="020B0609020204030204" pitchFamily="49" charset="0"/>
+              </a:rPr>
+              <a:t> </a:t>
+            </a:r>
+            <a:r>
+              <a:rPr lang="en-US" sz="1600" b="0" dirty="0">
+                <a:solidFill>
+                  <a:srgbClr val="A6E22E"/>
+                </a:solidFill>
+                <a:effectLst/>
+                <a:latin typeface="Consolas" panose="020B0609020204030204" pitchFamily="49" charset="0"/>
+              </a:rPr>
+              <a:t>makeFunc</a:t>
+            </a:r>
+            <a:r>
+              <a:rPr lang="en-US" sz="1600" b="0" dirty="0">
+                <a:solidFill>
+                  <a:srgbClr val="F8F8F2"/>
+                </a:solidFill>
+                <a:effectLst/>
+                <a:latin typeface="Consolas" panose="020B0609020204030204" pitchFamily="49" charset="0"/>
+              </a:rPr>
+              <a:t>()(</a:t>
+            </a:r>
+            <a:r>
+              <a:rPr lang="en-US" sz="1600" b="0" dirty="0">
+                <a:solidFill>
+                  <a:srgbClr val="E6DB74"/>
+                </a:solidFill>
+                <a:effectLst/>
+                <a:latin typeface="Consolas" panose="020B0609020204030204" pitchFamily="49" charset="0"/>
+              </a:rPr>
+              <a:t>'Bangladesh'</a:t>
+            </a:r>
+            <a:r>
+              <a:rPr lang="en-US" sz="1600" b="0" dirty="0">
+                <a:solidFill>
+                  <a:srgbClr val="F8F8F2"/>
+                </a:solidFill>
+                <a:effectLst/>
+                <a:latin typeface="Consolas" panose="020B0609020204030204" pitchFamily="49" charset="0"/>
+              </a:rPr>
+              <a:t>);</a:t>
+            </a:r>
+          </a:p>
+        </p:txBody>
+      </p:sp>
+    </p:spTree>
+    <p:extLst>
+      <p:ext uri="{BB962C8B-B14F-4D97-AF65-F5344CB8AC3E}">
+        <p14:creationId xmlns:p14="http://schemas.microsoft.com/office/powerpoint/2010/main" val="3291798772"/>
+      </p:ext>
+    </p:extLst>
+  </p:cSld>
+  <p:clrMapOvr>
+    <a:masterClrMapping/>
+  </p:clrMapOvr>
+</p:sld>
+</file>
+
+<file path=ppt/slides/slide18.xml><?xml version="1.0" encoding="utf-8"?>
+<p:sld xmlns:a="http://schemas.openxmlformats.org/drawingml/2006/main" xmlns:r="http://schemas.openxmlformats.org/officeDocument/2006/relationships" xmlns:p="http://schemas.openxmlformats.org/presentationml/2006/main">
+  <p:cSld>
+    <p:bg>
+      <p:bgPr>
+        <a:solidFill>
+          <a:srgbClr val="040E1A"/>
+        </a:solidFill>
+        <a:effectLst/>
+      </p:bgPr>
+    </p:bg>
+    <p:spTree>
+      <p:nvGrpSpPr>
+        <p:cNvPr id="1" name=""/>
+        <p:cNvGrpSpPr/>
+        <p:nvPr/>
+      </p:nvGrpSpPr>
+      <p:grpSpPr>
+        <a:xfrm>
+          <a:off x="0" y="0"/>
+          <a:ext cx="0" cy="0"/>
+          <a:chOff x="0" y="0"/>
+          <a:chExt cx="0" cy="0"/>
+        </a:xfrm>
+      </p:grpSpPr>
+      <p:sp>
+        <p:nvSpPr>
+          <p:cNvPr id="2" name="Title 1">
+            <a:extLst>
+              <a:ext uri="{FF2B5EF4-FFF2-40B4-BE49-F238E27FC236}">
+                <a16:creationId xmlns:a16="http://schemas.microsoft.com/office/drawing/2014/main" id="{87E219CC-A6B6-4075-B733-C05C1E794BD7}"/>
+              </a:ext>
+            </a:extLst>
+          </p:cNvPr>
+          <p:cNvSpPr>
+            <a:spLocks noGrp="1"/>
+          </p:cNvSpPr>
+          <p:nvPr>
+            <p:ph type="title"/>
+          </p:nvPr>
+        </p:nvSpPr>
+        <p:spPr>
+          <a:xfrm>
+            <a:off x="838200" y="351873"/>
+            <a:ext cx="10515600" cy="1325563"/>
+          </a:xfrm>
+        </p:spPr>
+        <p:txBody>
+          <a:bodyPr>
+            <a:normAutofit/>
+          </a:bodyPr>
+          <a:lstStyle/>
+          <a:p>
+            <a:r>
+              <a:rPr lang="en-US" sz="6600" i="1" dirty="0">
+                <a:solidFill>
+                  <a:srgbClr val="FFFF00"/>
+                </a:solidFill>
+                <a:latin typeface="Consolas" panose="020B0609020204030204" pitchFamily="49" charset="0"/>
+              </a:rPr>
+              <a:t>JS </a:t>
+            </a:r>
+            <a:r>
+              <a:rPr lang="en-US" sz="4000" dirty="0">
+                <a:solidFill>
+                  <a:schemeClr val="bg1">
+                    <a:lumMod val="65000"/>
+                  </a:schemeClr>
+                </a:solidFill>
+                <a:latin typeface="+mn-lt"/>
+              </a:rPr>
+              <a:t>Closure  </a:t>
+            </a:r>
+            <a:r>
+              <a:rPr lang="en-US" sz="4000" dirty="0">
+                <a:solidFill>
+                  <a:srgbClr val="F92672"/>
+                </a:solidFill>
+                <a:latin typeface="Consolas" panose="020B0609020204030204" pitchFamily="49" charset="0"/>
+              </a:rPr>
+              <a:t>Scope </a:t>
+            </a:r>
+            <a:r>
+              <a:rPr lang="en-US" sz="4000" dirty="0">
+                <a:solidFill>
+                  <a:schemeClr val="bg1">
+                    <a:lumMod val="65000"/>
+                  </a:schemeClr>
+                </a:solidFill>
+                <a:latin typeface="+mn-lt"/>
+              </a:rPr>
+              <a:t>Chain</a:t>
+            </a:r>
+            <a:endParaRPr lang="en-US" dirty="0">
+              <a:solidFill>
+                <a:srgbClr val="00B0F0"/>
+              </a:solidFill>
+              <a:latin typeface="+mn-lt"/>
+            </a:endParaRPr>
+          </a:p>
+        </p:txBody>
+      </p:sp>
+      <p:sp>
+        <p:nvSpPr>
+          <p:cNvPr id="3" name="Content Placeholder 2">
+            <a:extLst>
+              <a:ext uri="{FF2B5EF4-FFF2-40B4-BE49-F238E27FC236}">
+                <a16:creationId xmlns:a16="http://schemas.microsoft.com/office/drawing/2014/main" id="{D23A8E98-E9B4-4888-AE47-A6A4BD2C2EC7}"/>
+              </a:ext>
+            </a:extLst>
+          </p:cNvPr>
+          <p:cNvSpPr>
+            <a:spLocks noGrp="1"/>
+          </p:cNvSpPr>
+          <p:nvPr>
+            <p:ph idx="1"/>
+          </p:nvPr>
+        </p:nvSpPr>
+        <p:spPr>
+          <a:xfrm>
+            <a:off x="838200" y="1782128"/>
+            <a:ext cx="10515600" cy="4842461"/>
+          </a:xfrm>
+        </p:spPr>
+        <p:txBody>
+          <a:bodyPr>
+            <a:normAutofit fontScale="92500" lnSpcReduction="20000"/>
+          </a:bodyPr>
+          <a:lstStyle/>
+          <a:p>
+            <a:pPr marL="0" indent="0">
+              <a:buNone/>
+            </a:pPr>
+            <a:r>
+              <a:rPr lang="en-US" sz="1600" b="0" dirty="0">
+                <a:solidFill>
+                  <a:srgbClr val="88846F"/>
+                </a:solidFill>
+                <a:effectLst/>
+                <a:latin typeface="Consolas" panose="020B0609020204030204" pitchFamily="49" charset="0"/>
+              </a:rPr>
+              <a:t>// this task like, Every men calling their own son.</a:t>
+            </a:r>
+          </a:p>
+          <a:p>
+            <a:pPr marL="0" indent="0">
+              <a:buNone/>
+            </a:pPr>
+            <a:br>
+              <a:rPr lang="en-US" sz="1600" b="0" dirty="0">
+                <a:solidFill>
+                  <a:srgbClr val="F8F8F2"/>
+                </a:solidFill>
+                <a:effectLst/>
+                <a:latin typeface="Consolas" panose="020B0609020204030204" pitchFamily="49" charset="0"/>
+              </a:rPr>
+            </a:br>
+            <a:r>
+              <a:rPr lang="en-US" sz="1600" b="0" i="1" dirty="0">
+                <a:solidFill>
+                  <a:srgbClr val="66D9EF"/>
+                </a:solidFill>
+                <a:effectLst/>
+                <a:latin typeface="Consolas" panose="020B0609020204030204" pitchFamily="49" charset="0"/>
+              </a:rPr>
+              <a:t>let</a:t>
+            </a:r>
+            <a:r>
+              <a:rPr lang="en-US" sz="1600" b="0" dirty="0">
+                <a:solidFill>
+                  <a:srgbClr val="F8F8F2"/>
+                </a:solidFill>
+                <a:effectLst/>
+                <a:latin typeface="Consolas" panose="020B0609020204030204" pitchFamily="49" charset="0"/>
+              </a:rPr>
+              <a:t> text </a:t>
+            </a:r>
+            <a:r>
+              <a:rPr lang="en-US" sz="1600" b="0" dirty="0">
+                <a:solidFill>
+                  <a:srgbClr val="F92672"/>
+                </a:solidFill>
+                <a:effectLst/>
+                <a:latin typeface="Consolas" panose="020B0609020204030204" pitchFamily="49" charset="0"/>
+              </a:rPr>
+              <a:t>=</a:t>
+            </a:r>
+            <a:r>
+              <a:rPr lang="en-US" sz="1600" b="0" dirty="0">
+                <a:solidFill>
+                  <a:srgbClr val="F8F8F2"/>
+                </a:solidFill>
+                <a:effectLst/>
+                <a:latin typeface="Consolas" panose="020B0609020204030204" pitchFamily="49" charset="0"/>
+              </a:rPr>
+              <a:t> </a:t>
+            </a:r>
+            <a:r>
+              <a:rPr lang="en-US" sz="1600" b="0" dirty="0">
+                <a:solidFill>
+                  <a:srgbClr val="E6DB74"/>
+                </a:solidFill>
+                <a:effectLst/>
+                <a:latin typeface="Consolas" panose="020B0609020204030204" pitchFamily="49" charset="0"/>
+              </a:rPr>
+              <a:t>'Meeting calling: '</a:t>
+            </a:r>
+            <a:r>
+              <a:rPr lang="en-US" sz="1600" b="0" dirty="0">
+                <a:solidFill>
+                  <a:srgbClr val="F8F8F2"/>
+                </a:solidFill>
+                <a:effectLst/>
+                <a:latin typeface="Consolas" panose="020B0609020204030204" pitchFamily="49" charset="0"/>
+              </a:rPr>
+              <a:t>; </a:t>
+            </a:r>
+            <a:r>
+              <a:rPr lang="en-US" sz="1600" b="0" dirty="0">
+                <a:solidFill>
+                  <a:srgbClr val="88846F"/>
+                </a:solidFill>
+                <a:effectLst/>
+                <a:latin typeface="Consolas" panose="020B0609020204030204" pitchFamily="49" charset="0"/>
+              </a:rPr>
+              <a:t>// global scope</a:t>
+            </a:r>
+            <a:endParaRPr lang="en-US" sz="1600" b="0" dirty="0">
+              <a:solidFill>
+                <a:srgbClr val="F8F8F2"/>
+              </a:solidFill>
+              <a:effectLst/>
+              <a:latin typeface="Consolas" panose="020B0609020204030204" pitchFamily="49" charset="0"/>
+            </a:endParaRPr>
+          </a:p>
+          <a:p>
+            <a:pPr marL="0" indent="0">
+              <a:buNone/>
+            </a:pPr>
+            <a:br>
+              <a:rPr lang="en-US" sz="1600" b="0" dirty="0">
+                <a:solidFill>
+                  <a:srgbClr val="F8F8F2"/>
+                </a:solidFill>
+                <a:effectLst/>
+                <a:latin typeface="Consolas" panose="020B0609020204030204" pitchFamily="49" charset="0"/>
+              </a:rPr>
+            </a:br>
+            <a:r>
+              <a:rPr lang="en-US" sz="1600" b="0" i="1" dirty="0">
+                <a:solidFill>
+                  <a:srgbClr val="66D9EF"/>
+                </a:solidFill>
+                <a:effectLst/>
+                <a:latin typeface="Consolas" panose="020B0609020204030204" pitchFamily="49" charset="0"/>
+              </a:rPr>
+              <a:t>function</a:t>
+            </a:r>
+            <a:r>
+              <a:rPr lang="en-US" sz="1600" b="0" dirty="0">
+                <a:solidFill>
+                  <a:srgbClr val="F8F8F2"/>
+                </a:solidFill>
+                <a:effectLst/>
+                <a:latin typeface="Consolas" panose="020B0609020204030204" pitchFamily="49" charset="0"/>
+              </a:rPr>
+              <a:t> </a:t>
+            </a:r>
+            <a:r>
+              <a:rPr lang="en-US" sz="1600" b="0" dirty="0">
+                <a:solidFill>
+                  <a:srgbClr val="A6E22E"/>
+                </a:solidFill>
+                <a:effectLst/>
+                <a:latin typeface="Consolas" panose="020B0609020204030204" pitchFamily="49" charset="0"/>
+              </a:rPr>
+              <a:t>callMeeting</a:t>
+            </a:r>
+            <a:r>
+              <a:rPr lang="en-US" sz="1600" b="0" dirty="0">
+                <a:solidFill>
+                  <a:srgbClr val="F8F8F2"/>
+                </a:solidFill>
+                <a:effectLst/>
+                <a:latin typeface="Consolas" panose="020B0609020204030204" pitchFamily="49" charset="0"/>
+              </a:rPr>
+              <a:t>(</a:t>
+            </a:r>
+            <a:r>
+              <a:rPr lang="en-US" sz="1600" b="0" i="1" dirty="0">
+                <a:solidFill>
+                  <a:srgbClr val="FD971F"/>
+                </a:solidFill>
+                <a:effectLst/>
+                <a:latin typeface="Consolas" panose="020B0609020204030204" pitchFamily="49" charset="0"/>
+              </a:rPr>
+              <a:t>grandFather</a:t>
+            </a:r>
+            <a:r>
+              <a:rPr lang="en-US" sz="1600" b="0" dirty="0">
+                <a:solidFill>
+                  <a:srgbClr val="F8F8F2"/>
+                </a:solidFill>
+                <a:effectLst/>
+                <a:latin typeface="Consolas" panose="020B0609020204030204" pitchFamily="49" charset="0"/>
+              </a:rPr>
+              <a:t>){</a:t>
+            </a:r>
+          </a:p>
+          <a:p>
+            <a:pPr marL="0" indent="0">
+              <a:buNone/>
+            </a:pPr>
+            <a:r>
+              <a:rPr lang="en-US" sz="1600" b="0" dirty="0">
+                <a:solidFill>
+                  <a:srgbClr val="F8F8F2"/>
+                </a:solidFill>
+                <a:effectLst/>
+                <a:latin typeface="Consolas" panose="020B0609020204030204" pitchFamily="49" charset="0"/>
+              </a:rPr>
+              <a:t>    </a:t>
+            </a:r>
+            <a:r>
+              <a:rPr lang="en-US" sz="1600" b="0" dirty="0">
+                <a:solidFill>
+                  <a:srgbClr val="F92672"/>
+                </a:solidFill>
+                <a:effectLst/>
+                <a:latin typeface="Consolas" panose="020B0609020204030204" pitchFamily="49" charset="0"/>
+              </a:rPr>
+              <a:t>return</a:t>
+            </a:r>
+            <a:r>
+              <a:rPr lang="en-US" sz="1600" b="0" dirty="0">
+                <a:solidFill>
+                  <a:srgbClr val="F8F8F2"/>
+                </a:solidFill>
+                <a:effectLst/>
+                <a:latin typeface="Consolas" panose="020B0609020204030204" pitchFamily="49" charset="0"/>
+              </a:rPr>
+              <a:t> </a:t>
+            </a:r>
+            <a:r>
+              <a:rPr lang="en-US" sz="1600" b="0" i="1" dirty="0">
+                <a:solidFill>
+                  <a:srgbClr val="66D9EF"/>
+                </a:solidFill>
+                <a:effectLst/>
+                <a:latin typeface="Consolas" panose="020B0609020204030204" pitchFamily="49" charset="0"/>
+              </a:rPr>
+              <a:t>function</a:t>
+            </a:r>
+            <a:r>
+              <a:rPr lang="en-US" sz="1600" b="0" dirty="0">
+                <a:solidFill>
+                  <a:srgbClr val="F8F8F2"/>
+                </a:solidFill>
+                <a:effectLst/>
+                <a:latin typeface="Consolas" panose="020B0609020204030204" pitchFamily="49" charset="0"/>
+              </a:rPr>
+              <a:t>(</a:t>
+            </a:r>
+            <a:r>
+              <a:rPr lang="en-US" sz="1600" b="0" i="1" dirty="0">
+                <a:solidFill>
+                  <a:srgbClr val="FD971F"/>
+                </a:solidFill>
+                <a:effectLst/>
+                <a:latin typeface="Consolas" panose="020B0609020204030204" pitchFamily="49" charset="0"/>
+              </a:rPr>
+              <a:t>myFather</a:t>
+            </a:r>
+            <a:r>
+              <a:rPr lang="en-US" sz="1600" b="0" dirty="0">
+                <a:solidFill>
+                  <a:srgbClr val="F8F8F2"/>
+                </a:solidFill>
+                <a:effectLst/>
+                <a:latin typeface="Consolas" panose="020B0609020204030204" pitchFamily="49" charset="0"/>
+              </a:rPr>
+              <a:t>){</a:t>
+            </a:r>
+          </a:p>
+          <a:p>
+            <a:pPr marL="0" indent="0">
+              <a:buNone/>
+            </a:pPr>
+            <a:r>
+              <a:rPr lang="en-US" sz="1600" b="0" dirty="0">
+                <a:solidFill>
+                  <a:srgbClr val="F8F8F2"/>
+                </a:solidFill>
+                <a:effectLst/>
+                <a:latin typeface="Consolas" panose="020B0609020204030204" pitchFamily="49" charset="0"/>
+              </a:rPr>
+              <a:t>        </a:t>
+            </a:r>
+            <a:r>
+              <a:rPr lang="en-US" sz="1600" b="0" dirty="0">
+                <a:solidFill>
+                  <a:srgbClr val="F92672"/>
+                </a:solidFill>
+                <a:effectLst/>
+                <a:latin typeface="Consolas" panose="020B0609020204030204" pitchFamily="49" charset="0"/>
+              </a:rPr>
+              <a:t>return</a:t>
+            </a:r>
+            <a:r>
+              <a:rPr lang="en-US" sz="1600" b="0" dirty="0">
+                <a:solidFill>
+                  <a:srgbClr val="F8F8F2"/>
+                </a:solidFill>
+                <a:effectLst/>
+                <a:latin typeface="Consolas" panose="020B0609020204030204" pitchFamily="49" charset="0"/>
+              </a:rPr>
+              <a:t> </a:t>
+            </a:r>
+            <a:r>
+              <a:rPr lang="en-US" sz="1600" b="0" i="1" dirty="0">
+                <a:solidFill>
+                  <a:srgbClr val="66D9EF"/>
+                </a:solidFill>
+                <a:effectLst/>
+                <a:latin typeface="Consolas" panose="020B0609020204030204" pitchFamily="49" charset="0"/>
+              </a:rPr>
+              <a:t>function</a:t>
+            </a:r>
+            <a:r>
+              <a:rPr lang="en-US" sz="1600" b="0" dirty="0">
+                <a:solidFill>
+                  <a:srgbClr val="F8F8F2"/>
+                </a:solidFill>
+                <a:effectLst/>
+                <a:latin typeface="Consolas" panose="020B0609020204030204" pitchFamily="49" charset="0"/>
+              </a:rPr>
+              <a:t>(</a:t>
+            </a:r>
+            <a:r>
+              <a:rPr lang="en-US" sz="1600" b="0" i="1" dirty="0">
+                <a:solidFill>
+                  <a:srgbClr val="FD971F"/>
+                </a:solidFill>
+                <a:effectLst/>
+                <a:latin typeface="Consolas" panose="020B0609020204030204" pitchFamily="49" charset="0"/>
+              </a:rPr>
+              <a:t>me</a:t>
+            </a:r>
+            <a:r>
+              <a:rPr lang="en-US" sz="1600" b="0" dirty="0">
+                <a:solidFill>
+                  <a:srgbClr val="F8F8F2"/>
+                </a:solidFill>
+                <a:effectLst/>
+                <a:latin typeface="Consolas" panose="020B0609020204030204" pitchFamily="49" charset="0"/>
+              </a:rPr>
+              <a:t>){ </a:t>
+            </a:r>
+          </a:p>
+          <a:p>
+            <a:pPr marL="0" indent="0">
+              <a:buNone/>
+            </a:pPr>
+            <a:r>
+              <a:rPr lang="en-US" sz="1600" b="0" dirty="0">
+                <a:solidFill>
+                  <a:srgbClr val="F8F8F2"/>
+                </a:solidFill>
+                <a:effectLst/>
+                <a:latin typeface="Consolas" panose="020B0609020204030204" pitchFamily="49" charset="0"/>
+              </a:rPr>
+              <a:t>            </a:t>
+            </a:r>
+            <a:r>
+              <a:rPr lang="en-US" sz="1600" b="0" dirty="0">
+                <a:solidFill>
+                  <a:srgbClr val="88846F"/>
+                </a:solidFill>
+                <a:effectLst/>
+                <a:latin typeface="Consolas" panose="020B0609020204030204" pitchFamily="49" charset="0"/>
+              </a:rPr>
+              <a:t>// outer function scope</a:t>
+            </a:r>
+            <a:endParaRPr lang="en-US" sz="1600" b="0" dirty="0">
+              <a:solidFill>
+                <a:srgbClr val="F8F8F2"/>
+              </a:solidFill>
+              <a:effectLst/>
+              <a:latin typeface="Consolas" panose="020B0609020204030204" pitchFamily="49" charset="0"/>
+            </a:endParaRPr>
+          </a:p>
+          <a:p>
+            <a:pPr marL="0" indent="0">
+              <a:buNone/>
+            </a:pPr>
+            <a:r>
+              <a:rPr lang="en-US" sz="1600" b="0" dirty="0">
+                <a:solidFill>
+                  <a:srgbClr val="F8F8F2"/>
+                </a:solidFill>
+                <a:effectLst/>
+                <a:latin typeface="Consolas" panose="020B0609020204030204" pitchFamily="49" charset="0"/>
+              </a:rPr>
+              <a:t>            </a:t>
+            </a:r>
+            <a:r>
+              <a:rPr lang="en-US" sz="1600" b="0" dirty="0">
+                <a:solidFill>
+                  <a:srgbClr val="F92672"/>
+                </a:solidFill>
+                <a:effectLst/>
+                <a:latin typeface="Consolas" panose="020B0609020204030204" pitchFamily="49" charset="0"/>
+              </a:rPr>
+              <a:t>return</a:t>
+            </a:r>
+            <a:r>
+              <a:rPr lang="en-US" sz="1600" b="0" dirty="0">
+                <a:solidFill>
+                  <a:srgbClr val="F8F8F2"/>
+                </a:solidFill>
+                <a:effectLst/>
+                <a:latin typeface="Consolas" panose="020B0609020204030204" pitchFamily="49" charset="0"/>
+              </a:rPr>
+              <a:t> </a:t>
+            </a:r>
+            <a:r>
+              <a:rPr lang="en-US" sz="1600" b="0" i="1" dirty="0">
+                <a:solidFill>
+                  <a:srgbClr val="66D9EF"/>
+                </a:solidFill>
+                <a:effectLst/>
+                <a:latin typeface="Consolas" panose="020B0609020204030204" pitchFamily="49" charset="0"/>
+              </a:rPr>
+              <a:t>function</a:t>
+            </a:r>
+            <a:r>
+              <a:rPr lang="en-US" sz="1600" b="0" dirty="0">
+                <a:solidFill>
+                  <a:srgbClr val="F8F8F2"/>
+                </a:solidFill>
+                <a:effectLst/>
+                <a:latin typeface="Consolas" panose="020B0609020204030204" pitchFamily="49" charset="0"/>
+              </a:rPr>
+              <a:t>(</a:t>
+            </a:r>
+            <a:r>
+              <a:rPr lang="en-US" sz="1600" b="0" i="1" dirty="0">
+                <a:solidFill>
+                  <a:srgbClr val="FD971F"/>
+                </a:solidFill>
+                <a:effectLst/>
+                <a:latin typeface="Consolas" panose="020B0609020204030204" pitchFamily="49" charset="0"/>
+              </a:rPr>
+              <a:t>mySon</a:t>
+            </a:r>
+            <a:r>
+              <a:rPr lang="en-US" sz="1600" b="0" dirty="0">
+                <a:solidFill>
+                  <a:srgbClr val="F8F8F2"/>
+                </a:solidFill>
+                <a:effectLst/>
+                <a:latin typeface="Consolas" panose="020B0609020204030204" pitchFamily="49" charset="0"/>
+              </a:rPr>
+              <a:t>){</a:t>
+            </a:r>
+          </a:p>
+          <a:p>
+            <a:pPr marL="0" indent="0">
+              <a:buNone/>
+            </a:pPr>
+            <a:r>
+              <a:rPr lang="en-US" sz="1600" b="0" dirty="0">
+                <a:solidFill>
+                  <a:srgbClr val="F8F8F2"/>
+                </a:solidFill>
+                <a:effectLst/>
+                <a:latin typeface="Consolas" panose="020B0609020204030204" pitchFamily="49" charset="0"/>
+              </a:rPr>
+              <a:t>                </a:t>
+            </a:r>
+            <a:r>
+              <a:rPr lang="en-US" sz="1600" b="0" dirty="0">
+                <a:solidFill>
+                  <a:srgbClr val="88846F"/>
+                </a:solidFill>
+                <a:effectLst/>
+                <a:latin typeface="Consolas" panose="020B0609020204030204" pitchFamily="49" charset="0"/>
+              </a:rPr>
+              <a:t>//local scope</a:t>
+            </a:r>
+            <a:endParaRPr lang="en-US" sz="1600" b="0" dirty="0">
+              <a:solidFill>
+                <a:srgbClr val="F8F8F2"/>
+              </a:solidFill>
+              <a:effectLst/>
+              <a:latin typeface="Consolas" panose="020B0609020204030204" pitchFamily="49" charset="0"/>
+            </a:endParaRPr>
+          </a:p>
+          <a:p>
+            <a:pPr marL="0" indent="0">
+              <a:buNone/>
+            </a:pPr>
+            <a:r>
+              <a:rPr lang="en-US" sz="1600" b="0" dirty="0">
+                <a:solidFill>
+                  <a:srgbClr val="F8F8F2"/>
+                </a:solidFill>
+                <a:effectLst/>
+                <a:latin typeface="Consolas" panose="020B0609020204030204" pitchFamily="49" charset="0"/>
+              </a:rPr>
+              <a:t>                console.</a:t>
+            </a:r>
+            <a:r>
+              <a:rPr lang="en-US" sz="1600" b="0" dirty="0">
+                <a:solidFill>
+                  <a:srgbClr val="A6E22E"/>
+                </a:solidFill>
+                <a:effectLst/>
+                <a:latin typeface="Consolas" panose="020B0609020204030204" pitchFamily="49" charset="0"/>
+              </a:rPr>
+              <a:t>log</a:t>
+            </a:r>
+            <a:r>
+              <a:rPr lang="en-US" sz="1600" b="0" dirty="0">
+                <a:solidFill>
+                  <a:srgbClr val="F8F8F2"/>
+                </a:solidFill>
+                <a:effectLst/>
+                <a:latin typeface="Consolas" panose="020B0609020204030204" pitchFamily="49" charset="0"/>
+              </a:rPr>
+              <a:t>(</a:t>
+            </a:r>
+            <a:r>
+              <a:rPr lang="en-US" sz="1600" b="0" dirty="0">
+                <a:solidFill>
+                  <a:srgbClr val="E6DB74"/>
+                </a:solidFill>
+                <a:effectLst/>
+                <a:latin typeface="Consolas" panose="020B0609020204030204" pitchFamily="49" charset="0"/>
+              </a:rPr>
+              <a:t>`</a:t>
+            </a:r>
+            <a:r>
+              <a:rPr lang="en-US" sz="1600" b="0" dirty="0">
+                <a:solidFill>
+                  <a:srgbClr val="F92672"/>
+                </a:solidFill>
+                <a:effectLst/>
+                <a:latin typeface="Consolas" panose="020B0609020204030204" pitchFamily="49" charset="0"/>
+              </a:rPr>
+              <a:t>${</a:t>
+            </a:r>
+            <a:r>
+              <a:rPr lang="en-US" sz="1600" b="0" dirty="0">
+                <a:solidFill>
+                  <a:srgbClr val="F8F8F2"/>
+                </a:solidFill>
+                <a:effectLst/>
+                <a:latin typeface="Consolas" panose="020B0609020204030204" pitchFamily="49" charset="0"/>
+              </a:rPr>
+              <a:t>text</a:t>
+            </a:r>
+            <a:r>
+              <a:rPr lang="en-US" sz="1600" b="0" dirty="0">
+                <a:solidFill>
+                  <a:srgbClr val="F92672"/>
+                </a:solidFill>
+                <a:effectLst/>
+                <a:latin typeface="Consolas" panose="020B0609020204030204" pitchFamily="49" charset="0"/>
+              </a:rPr>
+              <a:t>}</a:t>
+            </a:r>
+            <a:r>
+              <a:rPr lang="en-US" sz="1600" b="0" dirty="0">
+                <a:solidFill>
+                  <a:srgbClr val="E6DB74"/>
+                </a:solidFill>
+                <a:effectLst/>
+                <a:latin typeface="Consolas" panose="020B0609020204030204" pitchFamily="49" charset="0"/>
+              </a:rPr>
+              <a:t> </a:t>
+            </a:r>
+            <a:r>
+              <a:rPr lang="en-US" sz="1600" b="0" dirty="0">
+                <a:solidFill>
+                  <a:srgbClr val="F92672"/>
+                </a:solidFill>
+                <a:effectLst/>
+                <a:latin typeface="Consolas" panose="020B0609020204030204" pitchFamily="49" charset="0"/>
+              </a:rPr>
+              <a:t>${</a:t>
+            </a:r>
+            <a:r>
+              <a:rPr lang="en-US" sz="1600" b="0" i="1" dirty="0">
+                <a:solidFill>
+                  <a:srgbClr val="FD971F"/>
+                </a:solidFill>
+                <a:effectLst/>
+                <a:latin typeface="Consolas" panose="020B0609020204030204" pitchFamily="49" charset="0"/>
+              </a:rPr>
+              <a:t>grandFather</a:t>
+            </a:r>
+            <a:r>
+              <a:rPr lang="en-US" sz="1600" b="0" dirty="0">
+                <a:solidFill>
+                  <a:srgbClr val="F92672"/>
+                </a:solidFill>
+                <a:effectLst/>
+                <a:latin typeface="Consolas" panose="020B0609020204030204" pitchFamily="49" charset="0"/>
+              </a:rPr>
+              <a:t>}</a:t>
+            </a:r>
+            <a:r>
+              <a:rPr lang="en-US" sz="1600" b="0" dirty="0">
+                <a:solidFill>
+                  <a:srgbClr val="E6DB74"/>
+                </a:solidFill>
+                <a:effectLst/>
+                <a:latin typeface="Consolas" panose="020B0609020204030204" pitchFamily="49" charset="0"/>
+              </a:rPr>
+              <a:t> --&gt; </a:t>
+            </a:r>
+            <a:r>
+              <a:rPr lang="en-US" sz="1600" b="0" dirty="0">
+                <a:solidFill>
+                  <a:srgbClr val="F92672"/>
+                </a:solidFill>
+                <a:effectLst/>
+                <a:latin typeface="Consolas" panose="020B0609020204030204" pitchFamily="49" charset="0"/>
+              </a:rPr>
+              <a:t>${</a:t>
+            </a:r>
+            <a:r>
+              <a:rPr lang="en-US" sz="1600" b="0" i="1" dirty="0">
+                <a:solidFill>
+                  <a:srgbClr val="FD971F"/>
+                </a:solidFill>
+                <a:effectLst/>
+                <a:latin typeface="Consolas" panose="020B0609020204030204" pitchFamily="49" charset="0"/>
+              </a:rPr>
+              <a:t>myFather</a:t>
+            </a:r>
+            <a:r>
+              <a:rPr lang="en-US" sz="1600" b="0" dirty="0">
+                <a:solidFill>
+                  <a:srgbClr val="F92672"/>
+                </a:solidFill>
+                <a:effectLst/>
+                <a:latin typeface="Consolas" panose="020B0609020204030204" pitchFamily="49" charset="0"/>
+              </a:rPr>
+              <a:t>}</a:t>
+            </a:r>
+            <a:r>
+              <a:rPr lang="en-US" sz="1600" b="0" dirty="0">
+                <a:solidFill>
+                  <a:srgbClr val="E6DB74"/>
+                </a:solidFill>
+                <a:effectLst/>
+                <a:latin typeface="Consolas" panose="020B0609020204030204" pitchFamily="49" charset="0"/>
+              </a:rPr>
+              <a:t> --&gt; </a:t>
+            </a:r>
+            <a:r>
+              <a:rPr lang="en-US" sz="1600" b="0" dirty="0">
+                <a:solidFill>
+                  <a:srgbClr val="F92672"/>
+                </a:solidFill>
+                <a:effectLst/>
+                <a:latin typeface="Consolas" panose="020B0609020204030204" pitchFamily="49" charset="0"/>
+              </a:rPr>
+              <a:t>${</a:t>
+            </a:r>
+            <a:r>
+              <a:rPr lang="en-US" sz="1600" b="0" i="1" dirty="0">
+                <a:solidFill>
+                  <a:srgbClr val="FD971F"/>
+                </a:solidFill>
+                <a:effectLst/>
+                <a:latin typeface="Consolas" panose="020B0609020204030204" pitchFamily="49" charset="0"/>
+              </a:rPr>
+              <a:t>me</a:t>
+            </a:r>
+            <a:r>
+              <a:rPr lang="en-US" sz="1600" b="0" dirty="0">
+                <a:solidFill>
+                  <a:srgbClr val="F92672"/>
+                </a:solidFill>
+                <a:effectLst/>
+                <a:latin typeface="Consolas" panose="020B0609020204030204" pitchFamily="49" charset="0"/>
+              </a:rPr>
+              <a:t>}</a:t>
+            </a:r>
+            <a:r>
+              <a:rPr lang="en-US" sz="1600" b="0" dirty="0">
+                <a:solidFill>
+                  <a:srgbClr val="E6DB74"/>
+                </a:solidFill>
+                <a:effectLst/>
+                <a:latin typeface="Consolas" panose="020B0609020204030204" pitchFamily="49" charset="0"/>
+              </a:rPr>
+              <a:t> --&gt; </a:t>
+            </a:r>
+            <a:r>
+              <a:rPr lang="en-US" sz="1600" b="0" dirty="0">
+                <a:solidFill>
+                  <a:srgbClr val="F92672"/>
+                </a:solidFill>
+                <a:effectLst/>
+                <a:latin typeface="Consolas" panose="020B0609020204030204" pitchFamily="49" charset="0"/>
+              </a:rPr>
+              <a:t>${</a:t>
+            </a:r>
+            <a:r>
+              <a:rPr lang="en-US" sz="1600" b="0" i="1" dirty="0">
+                <a:solidFill>
+                  <a:srgbClr val="FD971F"/>
+                </a:solidFill>
+                <a:effectLst/>
+                <a:latin typeface="Consolas" panose="020B0609020204030204" pitchFamily="49" charset="0"/>
+              </a:rPr>
+              <a:t>mySon</a:t>
+            </a:r>
+            <a:r>
+              <a:rPr lang="en-US" sz="1600" b="0" dirty="0">
+                <a:solidFill>
+                  <a:srgbClr val="F92672"/>
+                </a:solidFill>
+                <a:effectLst/>
+                <a:latin typeface="Consolas" panose="020B0609020204030204" pitchFamily="49" charset="0"/>
+              </a:rPr>
+              <a:t>}</a:t>
+            </a:r>
+            <a:r>
+              <a:rPr lang="en-US" sz="1600" b="0" dirty="0">
+                <a:solidFill>
+                  <a:srgbClr val="E6DB74"/>
+                </a:solidFill>
+                <a:effectLst/>
+                <a:latin typeface="Consolas" panose="020B0609020204030204" pitchFamily="49" charset="0"/>
+              </a:rPr>
+              <a:t>`</a:t>
+            </a:r>
+            <a:r>
+              <a:rPr lang="en-US" sz="1600" b="0" dirty="0">
+                <a:solidFill>
+                  <a:srgbClr val="F8F8F2"/>
+                </a:solidFill>
+                <a:effectLst/>
+                <a:latin typeface="Consolas" panose="020B0609020204030204" pitchFamily="49" charset="0"/>
+              </a:rPr>
+              <a:t>);</a:t>
+            </a:r>
+          </a:p>
+          <a:p>
+            <a:pPr marL="0" indent="0">
+              <a:buNone/>
+            </a:pPr>
+            <a:r>
+              <a:rPr lang="en-US" sz="1600" b="0" dirty="0">
+                <a:solidFill>
+                  <a:srgbClr val="F8F8F2"/>
+                </a:solidFill>
+                <a:effectLst/>
+                <a:latin typeface="Consolas" panose="020B0609020204030204" pitchFamily="49" charset="0"/>
+              </a:rPr>
+              <a:t>            }</a:t>
+            </a:r>
+          </a:p>
+          <a:p>
+            <a:pPr marL="0" indent="0">
+              <a:buNone/>
+            </a:pPr>
+            <a:r>
+              <a:rPr lang="en-US" sz="1600" b="0" dirty="0">
+                <a:solidFill>
+                  <a:srgbClr val="F8F8F2"/>
+                </a:solidFill>
+                <a:effectLst/>
+                <a:latin typeface="Consolas" panose="020B0609020204030204" pitchFamily="49" charset="0"/>
+              </a:rPr>
+              <a:t>        }</a:t>
+            </a:r>
+          </a:p>
+          <a:p>
+            <a:pPr marL="0" indent="0">
+              <a:buNone/>
+            </a:pPr>
+            <a:r>
+              <a:rPr lang="en-US" sz="1600" b="0" dirty="0">
+                <a:solidFill>
+                  <a:srgbClr val="F8F8F2"/>
+                </a:solidFill>
+                <a:effectLst/>
+                <a:latin typeface="Consolas" panose="020B0609020204030204" pitchFamily="49" charset="0"/>
+              </a:rPr>
+              <a:t>    }</a:t>
+            </a:r>
+          </a:p>
+          <a:p>
+            <a:pPr marL="0" indent="0">
+              <a:buNone/>
+            </a:pPr>
+            <a:r>
+              <a:rPr lang="en-US" sz="1600" b="0" dirty="0">
+                <a:solidFill>
+                  <a:srgbClr val="F8F8F2"/>
+                </a:solidFill>
+                <a:effectLst/>
+                <a:latin typeface="Consolas" panose="020B0609020204030204" pitchFamily="49" charset="0"/>
+              </a:rPr>
+              <a:t>};</a:t>
+            </a:r>
+            <a:br>
+              <a:rPr lang="en-US" sz="1700" b="0" dirty="0">
+                <a:solidFill>
+                  <a:srgbClr val="F8F8F2"/>
+                </a:solidFill>
+                <a:effectLst/>
+                <a:latin typeface="Consolas" panose="020B0609020204030204" pitchFamily="49" charset="0"/>
+              </a:rPr>
+            </a:br>
+            <a:r>
+              <a:rPr lang="en-US" sz="1700" b="0" dirty="0">
+                <a:solidFill>
+                  <a:srgbClr val="A6E22E"/>
+                </a:solidFill>
+                <a:effectLst/>
+                <a:latin typeface="Consolas" panose="020B0609020204030204" pitchFamily="49" charset="0"/>
+              </a:rPr>
+              <a:t>callMeeting</a:t>
+            </a:r>
+            <a:r>
+              <a:rPr lang="en-US" sz="1700" b="0" dirty="0">
+                <a:solidFill>
+                  <a:srgbClr val="F8F8F2"/>
+                </a:solidFill>
+                <a:effectLst/>
+                <a:latin typeface="Consolas" panose="020B0609020204030204" pitchFamily="49" charset="0"/>
+              </a:rPr>
+              <a:t>(</a:t>
+            </a:r>
+            <a:r>
+              <a:rPr lang="en-US" sz="1700" b="0" dirty="0">
+                <a:solidFill>
+                  <a:srgbClr val="E6DB74"/>
+                </a:solidFill>
+                <a:effectLst/>
+                <a:latin typeface="Consolas" panose="020B0609020204030204" pitchFamily="49" charset="0"/>
+              </a:rPr>
+              <a:t>'Meghlal'</a:t>
+            </a:r>
+            <a:r>
+              <a:rPr lang="en-US" sz="1700" b="0" dirty="0">
+                <a:solidFill>
+                  <a:srgbClr val="F8F8F2"/>
+                </a:solidFill>
+                <a:effectLst/>
+                <a:latin typeface="Consolas" panose="020B0609020204030204" pitchFamily="49" charset="0"/>
+              </a:rPr>
+              <a:t>)(</a:t>
+            </a:r>
+            <a:r>
+              <a:rPr lang="en-US" sz="1700" b="0" dirty="0">
+                <a:solidFill>
+                  <a:srgbClr val="E6DB74"/>
+                </a:solidFill>
+                <a:effectLst/>
+                <a:latin typeface="Consolas" panose="020B0609020204030204" pitchFamily="49" charset="0"/>
+              </a:rPr>
+              <a:t>'Vanu Ranjon'</a:t>
+            </a:r>
+            <a:r>
+              <a:rPr lang="en-US" sz="1700" b="0" dirty="0">
+                <a:solidFill>
+                  <a:srgbClr val="F8F8F2"/>
+                </a:solidFill>
+                <a:effectLst/>
+                <a:latin typeface="Consolas" panose="020B0609020204030204" pitchFamily="49" charset="0"/>
+              </a:rPr>
+              <a:t>)(</a:t>
+            </a:r>
+            <a:r>
+              <a:rPr lang="en-US" sz="1700" b="0" dirty="0">
+                <a:solidFill>
+                  <a:srgbClr val="E6DB74"/>
+                </a:solidFill>
+                <a:effectLst/>
+                <a:latin typeface="Consolas" panose="020B0609020204030204" pitchFamily="49" charset="0"/>
+              </a:rPr>
+              <a:t>'Mithun'</a:t>
+            </a:r>
+            <a:r>
+              <a:rPr lang="en-US" sz="1700" b="0" dirty="0">
+                <a:solidFill>
+                  <a:srgbClr val="F8F8F2"/>
+                </a:solidFill>
+                <a:effectLst/>
+                <a:latin typeface="Consolas" panose="020B0609020204030204" pitchFamily="49" charset="0"/>
+              </a:rPr>
+              <a:t>)(</a:t>
+            </a:r>
+            <a:r>
+              <a:rPr lang="en-US" sz="1700" b="0" dirty="0">
+                <a:solidFill>
+                  <a:srgbClr val="E6DB74"/>
+                </a:solidFill>
+                <a:effectLst/>
+                <a:latin typeface="Consolas" panose="020B0609020204030204" pitchFamily="49" charset="0"/>
+              </a:rPr>
+              <a:t>'Arjun’</a:t>
+            </a:r>
+            <a:r>
+              <a:rPr lang="en-US" sz="1700" b="0" dirty="0">
+                <a:solidFill>
+                  <a:srgbClr val="F8F8F2"/>
+                </a:solidFill>
+                <a:effectLst/>
+                <a:latin typeface="Consolas" panose="020B0609020204030204" pitchFamily="49" charset="0"/>
+              </a:rPr>
+              <a:t>);</a:t>
+            </a:r>
+          </a:p>
+          <a:p>
+            <a:pPr marL="0" indent="0">
+              <a:buNone/>
+            </a:pPr>
+            <a:r>
+              <a:rPr lang="en-US" sz="1700" dirty="0">
+                <a:solidFill>
+                  <a:schemeClr val="accent6">
+                    <a:lumMod val="75000"/>
+                  </a:schemeClr>
+                </a:solidFill>
+                <a:latin typeface="Consolas" panose="020B0609020204030204" pitchFamily="49" charset="0"/>
+              </a:rPr>
+              <a:t>//</a:t>
+            </a:r>
+            <a:r>
+              <a:rPr lang="en-US" sz="1700" dirty="0">
+                <a:solidFill>
+                  <a:schemeClr val="accent6">
+                    <a:lumMod val="75000"/>
+                  </a:schemeClr>
+                </a:solidFill>
+              </a:rPr>
+              <a:t>Meeting calling: Meghlal --&gt; Vanu Ranjon --&gt; Mithun --&gt; Arjun</a:t>
+            </a:r>
+            <a:endParaRPr lang="en-US" sz="1700" b="0" dirty="0">
+              <a:solidFill>
+                <a:schemeClr val="accent6">
+                  <a:lumMod val="75000"/>
+                </a:schemeClr>
+              </a:solidFill>
+              <a:effectLst/>
+              <a:latin typeface="Consolas" panose="020B0609020204030204" pitchFamily="49" charset="0"/>
+            </a:endParaRPr>
+          </a:p>
+          <a:p>
+            <a:pPr marL="0" indent="0">
+              <a:buNone/>
+            </a:pPr>
+            <a:endParaRPr lang="en-US" sz="1600" b="0" dirty="0">
+              <a:solidFill>
+                <a:schemeClr val="bg1"/>
+              </a:solidFill>
+              <a:effectLst/>
+            </a:endParaRPr>
+          </a:p>
+        </p:txBody>
+      </p:sp>
+      <p:sp>
+        <p:nvSpPr>
+          <p:cNvPr id="5" name="Rectangle 4">
+            <a:extLst>
+              <a:ext uri="{FF2B5EF4-FFF2-40B4-BE49-F238E27FC236}">
+                <a16:creationId xmlns:a16="http://schemas.microsoft.com/office/drawing/2014/main" id="{D3F3B1FD-DFCB-4569-9C42-3088CD883B8A}"/>
+              </a:ext>
+            </a:extLst>
+          </p:cNvPr>
+          <p:cNvSpPr/>
+          <p:nvPr/>
+        </p:nvSpPr>
+        <p:spPr>
+          <a:xfrm>
+            <a:off x="9161128" y="5711480"/>
+            <a:ext cx="2430648" cy="506436"/>
+          </a:xfrm>
+          <a:prstGeom prst="rect">
+            <a:avLst/>
+          </a:prstGeom>
+          <a:noFill/>
+          <a:ln>
+            <a:solidFill>
+              <a:schemeClr val="accent2"/>
+            </a:solidFill>
+          </a:ln>
+        </p:spPr>
+        <p:style>
+          <a:lnRef idx="2">
+            <a:schemeClr val="accent1">
+              <a:shade val="50000"/>
+            </a:schemeClr>
+          </a:lnRef>
+          <a:fillRef idx="1">
+            <a:schemeClr val="accent1"/>
+          </a:fillRef>
+          <a:effectRef idx="0">
+            <a:schemeClr val="accent1"/>
+          </a:effectRef>
+          <a:fontRef idx="minor">
+            <a:schemeClr val="lt1"/>
+          </a:fontRef>
+        </p:style>
+        <p:txBody>
+          <a:bodyPr rtlCol="0" anchor="ctr"/>
+          <a:lstStyle/>
+          <a:p>
+            <a:pPr algn="ctr"/>
+            <a:r>
+              <a:rPr lang="en-US" dirty="0">
+                <a:solidFill>
+                  <a:schemeClr val="accent2"/>
+                </a:solidFill>
+              </a:rPr>
+              <a:t>CodeMaster </a:t>
+            </a:r>
+            <a:r>
+              <a:rPr lang="en-US" dirty="0">
+                <a:solidFill>
+                  <a:schemeClr val="bg1"/>
+                </a:solidFill>
+                <a:latin typeface="Consolas" panose="020B0609020204030204" pitchFamily="49" charset="0"/>
+              </a:rPr>
+              <a:t>Noyon</a:t>
+            </a:r>
+          </a:p>
+        </p:txBody>
+      </p:sp>
+      <p:pic>
+        <p:nvPicPr>
+          <p:cNvPr id="10" name="Picture 9">
+            <a:extLst>
+              <a:ext uri="{FF2B5EF4-FFF2-40B4-BE49-F238E27FC236}">
+                <a16:creationId xmlns:a16="http://schemas.microsoft.com/office/drawing/2014/main" id="{BED166C4-455C-4D92-8A51-8F2C9A726475}"/>
+              </a:ext>
+            </a:extLst>
+          </p:cNvPr>
+          <p:cNvPicPr>
+            <a:picLocks noChangeAspect="1"/>
+          </p:cNvPicPr>
+          <p:nvPr/>
+        </p:nvPicPr>
+        <p:blipFill>
+          <a:blip r:embed="rId2">
+            <a:extLst>
+              <a:ext uri="{28A0092B-C50C-407E-A947-70E740481C1C}">
+                <a14:useLocalDpi xmlns:a14="http://schemas.microsoft.com/office/drawing/2010/main" val="0"/>
+              </a:ext>
+            </a:extLst>
+          </a:blip>
+          <a:stretch>
+            <a:fillRect/>
+          </a:stretch>
+        </p:blipFill>
+        <p:spPr>
+          <a:xfrm>
+            <a:off x="10628244" y="222322"/>
+            <a:ext cx="1232452" cy="1232452"/>
+          </a:xfrm>
+          <a:prstGeom prst="rect">
+            <a:avLst/>
+          </a:prstGeom>
+        </p:spPr>
+      </p:pic>
+    </p:spTree>
+    <p:extLst>
+      <p:ext uri="{BB962C8B-B14F-4D97-AF65-F5344CB8AC3E}">
+        <p14:creationId xmlns:p14="http://schemas.microsoft.com/office/powerpoint/2010/main" val="1218246352"/>
       </p:ext>
     </p:extLst>
   </p:cSld>
